--- a/Annual Review for Tesla Stocks.pptx
+++ b/Annual Review for Tesla Stocks.pptx
@@ -4542,7 +4542,7 @@
           <a:effectLst/>
         </c:spPr>
         <c:txPr>
-          <a:bodyPr rot="-2700000" spcFirstLastPara="1" vertOverflow="ellipsis" vert="horz" wrap="square" anchor="ctr" anchorCtr="1"/>
+          <a:bodyPr rot="-2700000" spcFirstLastPara="1" vertOverflow="ellipsis" wrap="square" anchor="ctr" anchorCtr="1"/>
           <a:lstStyle/>
           <a:p>
             <a:pPr>
@@ -4674,7 +4674,7 @@
           <a:effectLst/>
         </c:spPr>
         <c:txPr>
-          <a:bodyPr rot="0" spcFirstLastPara="1" vertOverflow="ellipsis" vert="horz" wrap="square" anchor="ctr" anchorCtr="1"/>
+          <a:bodyPr rot="0" spcFirstLastPara="1" vertOverflow="ellipsis" wrap="square" anchor="ctr" anchorCtr="1"/>
           <a:lstStyle/>
           <a:p>
             <a:pPr>
@@ -4835,17 +4835,7 @@
     </c:title>
     <c:autoTitleDeleted val="0"/>
     <c:plotArea>
-      <c:layout>
-        <c:manualLayout>
-          <c:layoutTarget val="inner"/>
-          <c:xMode val="edge"/>
-          <c:yMode val="edge"/>
-          <c:x val="5.9935530063479979E-2"/>
-          <c:y val="0.14201496528617608"/>
-          <c:w val="0.8823853821021912"/>
-          <c:h val="0.61153828081331785"/>
-        </c:manualLayout>
-      </c:layout>
+      <c:layout/>
       <c:lineChart>
         <c:grouping val="standard"/>
         <c:varyColors val="0"/>
@@ -4866,7 +4856,7 @@
           <c:spPr>
             <a:ln w="28575" cap="rnd">
               <a:solidFill>
-                <a:schemeClr val="accent1"/>
+                <a:schemeClr val="accent2"/>
               </a:solidFill>
               <a:round/>
             </a:ln>
@@ -6288,7 +6278,2563 @@
           <c:smooth val="0"/>
           <c:extLst>
             <c:ext xmlns:c16="http://schemas.microsoft.com/office/drawing/2014/chart" uri="{C3380CC4-5D6E-409C-BE32-E72D297353CC}">
-              <c16:uniqueId val="{00000000-B8D0-4753-9D04-94A922367FD9}"/>
+              <c16:uniqueId val="{00000000-8D51-4627-BD20-F26FDB8C3208}"/>
+            </c:ext>
+          </c:extLst>
+        </c:ser>
+        <c:ser>
+          <c:idx val="1"/>
+          <c:order val="1"/>
+          <c:tx>
+            <c:strRef>
+              <c:f>'Volatility Analysis'!$E$1:$E$21</c:f>
+              <c:strCache>
+                <c:ptCount val="21"/>
+                <c:pt idx="0">
+                  <c:v>50 Day Volatility</c:v>
+                </c:pt>
+              </c:strCache>
+            </c:strRef>
+          </c:tx>
+          <c:spPr>
+            <a:ln w="28575" cap="rnd">
+              <a:solidFill>
+                <a:schemeClr val="accent4"/>
+              </a:solidFill>
+              <a:round/>
+            </a:ln>
+            <a:effectLst/>
+          </c:spPr>
+          <c:marker>
+            <c:symbol val="none"/>
+          </c:marker>
+          <c:cat>
+            <c:numRef>
+              <c:f>'Volatility Analysis'!$A$22:$A$253</c:f>
+              <c:numCache>
+                <c:formatCode>m/d/yyyy</c:formatCode>
+                <c:ptCount val="232"/>
+                <c:pt idx="0">
+                  <c:v>44943</c:v>
+                </c:pt>
+                <c:pt idx="1">
+                  <c:v>44944</c:v>
+                </c:pt>
+                <c:pt idx="2">
+                  <c:v>44945</c:v>
+                </c:pt>
+                <c:pt idx="3">
+                  <c:v>44946</c:v>
+                </c:pt>
+                <c:pt idx="4">
+                  <c:v>44949</c:v>
+                </c:pt>
+                <c:pt idx="5">
+                  <c:v>44950</c:v>
+                </c:pt>
+                <c:pt idx="6">
+                  <c:v>44951</c:v>
+                </c:pt>
+                <c:pt idx="7">
+                  <c:v>44952</c:v>
+                </c:pt>
+                <c:pt idx="8">
+                  <c:v>44953</c:v>
+                </c:pt>
+                <c:pt idx="9">
+                  <c:v>44956</c:v>
+                </c:pt>
+                <c:pt idx="10">
+                  <c:v>44957</c:v>
+                </c:pt>
+                <c:pt idx="11">
+                  <c:v>44958</c:v>
+                </c:pt>
+                <c:pt idx="12">
+                  <c:v>44959</c:v>
+                </c:pt>
+                <c:pt idx="13">
+                  <c:v>44960</c:v>
+                </c:pt>
+                <c:pt idx="14">
+                  <c:v>44963</c:v>
+                </c:pt>
+                <c:pt idx="15">
+                  <c:v>44964</c:v>
+                </c:pt>
+                <c:pt idx="16">
+                  <c:v>44965</c:v>
+                </c:pt>
+                <c:pt idx="17">
+                  <c:v>44966</c:v>
+                </c:pt>
+                <c:pt idx="18">
+                  <c:v>44967</c:v>
+                </c:pt>
+                <c:pt idx="19">
+                  <c:v>44970</c:v>
+                </c:pt>
+                <c:pt idx="20">
+                  <c:v>44971</c:v>
+                </c:pt>
+                <c:pt idx="21">
+                  <c:v>44972</c:v>
+                </c:pt>
+                <c:pt idx="22">
+                  <c:v>44973</c:v>
+                </c:pt>
+                <c:pt idx="23">
+                  <c:v>44974</c:v>
+                </c:pt>
+                <c:pt idx="24">
+                  <c:v>44978</c:v>
+                </c:pt>
+                <c:pt idx="25">
+                  <c:v>44979</c:v>
+                </c:pt>
+                <c:pt idx="26">
+                  <c:v>44980</c:v>
+                </c:pt>
+                <c:pt idx="27">
+                  <c:v>44981</c:v>
+                </c:pt>
+                <c:pt idx="28">
+                  <c:v>44984</c:v>
+                </c:pt>
+                <c:pt idx="29">
+                  <c:v>44985</c:v>
+                </c:pt>
+                <c:pt idx="30">
+                  <c:v>44986</c:v>
+                </c:pt>
+                <c:pt idx="31">
+                  <c:v>44987</c:v>
+                </c:pt>
+                <c:pt idx="32">
+                  <c:v>44988</c:v>
+                </c:pt>
+                <c:pt idx="33">
+                  <c:v>44991</c:v>
+                </c:pt>
+                <c:pt idx="34">
+                  <c:v>44992</c:v>
+                </c:pt>
+                <c:pt idx="35">
+                  <c:v>44993</c:v>
+                </c:pt>
+                <c:pt idx="36">
+                  <c:v>44994</c:v>
+                </c:pt>
+                <c:pt idx="37">
+                  <c:v>44995</c:v>
+                </c:pt>
+                <c:pt idx="38">
+                  <c:v>44998</c:v>
+                </c:pt>
+                <c:pt idx="39">
+                  <c:v>44999</c:v>
+                </c:pt>
+                <c:pt idx="40">
+                  <c:v>45000</c:v>
+                </c:pt>
+                <c:pt idx="41">
+                  <c:v>45001</c:v>
+                </c:pt>
+                <c:pt idx="42">
+                  <c:v>45002</c:v>
+                </c:pt>
+                <c:pt idx="43">
+                  <c:v>45005</c:v>
+                </c:pt>
+                <c:pt idx="44">
+                  <c:v>45006</c:v>
+                </c:pt>
+                <c:pt idx="45">
+                  <c:v>45007</c:v>
+                </c:pt>
+                <c:pt idx="46">
+                  <c:v>45008</c:v>
+                </c:pt>
+                <c:pt idx="47">
+                  <c:v>45009</c:v>
+                </c:pt>
+                <c:pt idx="48">
+                  <c:v>45012</c:v>
+                </c:pt>
+                <c:pt idx="49">
+                  <c:v>45013</c:v>
+                </c:pt>
+                <c:pt idx="50">
+                  <c:v>45014</c:v>
+                </c:pt>
+                <c:pt idx="51">
+                  <c:v>45015</c:v>
+                </c:pt>
+                <c:pt idx="52">
+                  <c:v>45016</c:v>
+                </c:pt>
+                <c:pt idx="53">
+                  <c:v>45019</c:v>
+                </c:pt>
+                <c:pt idx="54">
+                  <c:v>45020</c:v>
+                </c:pt>
+                <c:pt idx="55">
+                  <c:v>45021</c:v>
+                </c:pt>
+                <c:pt idx="56">
+                  <c:v>45022</c:v>
+                </c:pt>
+                <c:pt idx="57">
+                  <c:v>45026</c:v>
+                </c:pt>
+                <c:pt idx="58">
+                  <c:v>45027</c:v>
+                </c:pt>
+                <c:pt idx="59">
+                  <c:v>45028</c:v>
+                </c:pt>
+                <c:pt idx="60">
+                  <c:v>45029</c:v>
+                </c:pt>
+                <c:pt idx="61">
+                  <c:v>45030</c:v>
+                </c:pt>
+                <c:pt idx="62">
+                  <c:v>45033</c:v>
+                </c:pt>
+                <c:pt idx="63">
+                  <c:v>45034</c:v>
+                </c:pt>
+                <c:pt idx="64">
+                  <c:v>45035</c:v>
+                </c:pt>
+                <c:pt idx="65">
+                  <c:v>45036</c:v>
+                </c:pt>
+                <c:pt idx="66">
+                  <c:v>45037</c:v>
+                </c:pt>
+                <c:pt idx="67">
+                  <c:v>45040</c:v>
+                </c:pt>
+                <c:pt idx="68">
+                  <c:v>45041</c:v>
+                </c:pt>
+                <c:pt idx="69">
+                  <c:v>45042</c:v>
+                </c:pt>
+                <c:pt idx="70">
+                  <c:v>45043</c:v>
+                </c:pt>
+                <c:pt idx="71">
+                  <c:v>45044</c:v>
+                </c:pt>
+                <c:pt idx="72">
+                  <c:v>45047</c:v>
+                </c:pt>
+                <c:pt idx="73">
+                  <c:v>45048</c:v>
+                </c:pt>
+                <c:pt idx="74">
+                  <c:v>45049</c:v>
+                </c:pt>
+                <c:pt idx="75">
+                  <c:v>45050</c:v>
+                </c:pt>
+                <c:pt idx="76">
+                  <c:v>45051</c:v>
+                </c:pt>
+                <c:pt idx="77">
+                  <c:v>45054</c:v>
+                </c:pt>
+                <c:pt idx="78">
+                  <c:v>45055</c:v>
+                </c:pt>
+                <c:pt idx="79">
+                  <c:v>45056</c:v>
+                </c:pt>
+                <c:pt idx="80">
+                  <c:v>45057</c:v>
+                </c:pt>
+                <c:pt idx="81">
+                  <c:v>45058</c:v>
+                </c:pt>
+                <c:pt idx="82">
+                  <c:v>45061</c:v>
+                </c:pt>
+                <c:pt idx="83">
+                  <c:v>45062</c:v>
+                </c:pt>
+                <c:pt idx="84">
+                  <c:v>45063</c:v>
+                </c:pt>
+                <c:pt idx="85">
+                  <c:v>45064</c:v>
+                </c:pt>
+                <c:pt idx="86">
+                  <c:v>45065</c:v>
+                </c:pt>
+                <c:pt idx="87">
+                  <c:v>45068</c:v>
+                </c:pt>
+                <c:pt idx="88">
+                  <c:v>45069</c:v>
+                </c:pt>
+                <c:pt idx="89">
+                  <c:v>45070</c:v>
+                </c:pt>
+                <c:pt idx="90">
+                  <c:v>45071</c:v>
+                </c:pt>
+                <c:pt idx="91">
+                  <c:v>45072</c:v>
+                </c:pt>
+                <c:pt idx="92">
+                  <c:v>45076</c:v>
+                </c:pt>
+                <c:pt idx="93">
+                  <c:v>45077</c:v>
+                </c:pt>
+                <c:pt idx="94">
+                  <c:v>45078</c:v>
+                </c:pt>
+                <c:pt idx="95">
+                  <c:v>45079</c:v>
+                </c:pt>
+                <c:pt idx="96">
+                  <c:v>45082</c:v>
+                </c:pt>
+                <c:pt idx="97">
+                  <c:v>45083</c:v>
+                </c:pt>
+                <c:pt idx="98">
+                  <c:v>45084</c:v>
+                </c:pt>
+                <c:pt idx="99">
+                  <c:v>45085</c:v>
+                </c:pt>
+                <c:pt idx="100">
+                  <c:v>45086</c:v>
+                </c:pt>
+                <c:pt idx="101">
+                  <c:v>45089</c:v>
+                </c:pt>
+                <c:pt idx="102">
+                  <c:v>45090</c:v>
+                </c:pt>
+                <c:pt idx="103">
+                  <c:v>45091</c:v>
+                </c:pt>
+                <c:pt idx="104">
+                  <c:v>45092</c:v>
+                </c:pt>
+                <c:pt idx="105">
+                  <c:v>45093</c:v>
+                </c:pt>
+                <c:pt idx="106">
+                  <c:v>45097</c:v>
+                </c:pt>
+                <c:pt idx="107">
+                  <c:v>45098</c:v>
+                </c:pt>
+                <c:pt idx="108">
+                  <c:v>45099</c:v>
+                </c:pt>
+                <c:pt idx="109">
+                  <c:v>45100</c:v>
+                </c:pt>
+                <c:pt idx="110">
+                  <c:v>45103</c:v>
+                </c:pt>
+                <c:pt idx="111">
+                  <c:v>45104</c:v>
+                </c:pt>
+                <c:pt idx="112">
+                  <c:v>45105</c:v>
+                </c:pt>
+                <c:pt idx="113">
+                  <c:v>45106</c:v>
+                </c:pt>
+                <c:pt idx="114">
+                  <c:v>45107</c:v>
+                </c:pt>
+                <c:pt idx="115">
+                  <c:v>45110</c:v>
+                </c:pt>
+                <c:pt idx="116">
+                  <c:v>45112</c:v>
+                </c:pt>
+                <c:pt idx="117">
+                  <c:v>45113</c:v>
+                </c:pt>
+                <c:pt idx="118">
+                  <c:v>45114</c:v>
+                </c:pt>
+                <c:pt idx="119">
+                  <c:v>45117</c:v>
+                </c:pt>
+                <c:pt idx="120">
+                  <c:v>45118</c:v>
+                </c:pt>
+                <c:pt idx="121">
+                  <c:v>45119</c:v>
+                </c:pt>
+                <c:pt idx="122">
+                  <c:v>45120</c:v>
+                </c:pt>
+                <c:pt idx="123">
+                  <c:v>45121</c:v>
+                </c:pt>
+                <c:pt idx="124">
+                  <c:v>45124</c:v>
+                </c:pt>
+                <c:pt idx="125">
+                  <c:v>45125</c:v>
+                </c:pt>
+                <c:pt idx="126">
+                  <c:v>45126</c:v>
+                </c:pt>
+                <c:pt idx="127">
+                  <c:v>45127</c:v>
+                </c:pt>
+                <c:pt idx="128">
+                  <c:v>45128</c:v>
+                </c:pt>
+                <c:pt idx="129">
+                  <c:v>45131</c:v>
+                </c:pt>
+                <c:pt idx="130">
+                  <c:v>45132</c:v>
+                </c:pt>
+                <c:pt idx="131">
+                  <c:v>45133</c:v>
+                </c:pt>
+                <c:pt idx="132">
+                  <c:v>45134</c:v>
+                </c:pt>
+                <c:pt idx="133">
+                  <c:v>45135</c:v>
+                </c:pt>
+                <c:pt idx="134">
+                  <c:v>45138</c:v>
+                </c:pt>
+                <c:pt idx="135">
+                  <c:v>45139</c:v>
+                </c:pt>
+                <c:pt idx="136">
+                  <c:v>45140</c:v>
+                </c:pt>
+                <c:pt idx="137">
+                  <c:v>45141</c:v>
+                </c:pt>
+                <c:pt idx="138">
+                  <c:v>45142</c:v>
+                </c:pt>
+                <c:pt idx="139">
+                  <c:v>45145</c:v>
+                </c:pt>
+                <c:pt idx="140">
+                  <c:v>45146</c:v>
+                </c:pt>
+                <c:pt idx="141">
+                  <c:v>45147</c:v>
+                </c:pt>
+                <c:pt idx="142">
+                  <c:v>45148</c:v>
+                </c:pt>
+                <c:pt idx="143">
+                  <c:v>45149</c:v>
+                </c:pt>
+                <c:pt idx="144">
+                  <c:v>45152</c:v>
+                </c:pt>
+                <c:pt idx="145">
+                  <c:v>45153</c:v>
+                </c:pt>
+                <c:pt idx="146">
+                  <c:v>45154</c:v>
+                </c:pt>
+                <c:pt idx="147">
+                  <c:v>45155</c:v>
+                </c:pt>
+                <c:pt idx="148">
+                  <c:v>45156</c:v>
+                </c:pt>
+                <c:pt idx="149">
+                  <c:v>45159</c:v>
+                </c:pt>
+                <c:pt idx="150">
+                  <c:v>45160</c:v>
+                </c:pt>
+                <c:pt idx="151">
+                  <c:v>45161</c:v>
+                </c:pt>
+                <c:pt idx="152">
+                  <c:v>45162</c:v>
+                </c:pt>
+                <c:pt idx="153">
+                  <c:v>45163</c:v>
+                </c:pt>
+                <c:pt idx="154">
+                  <c:v>45166</c:v>
+                </c:pt>
+                <c:pt idx="155">
+                  <c:v>45167</c:v>
+                </c:pt>
+                <c:pt idx="156">
+                  <c:v>45168</c:v>
+                </c:pt>
+                <c:pt idx="157">
+                  <c:v>45169</c:v>
+                </c:pt>
+                <c:pt idx="158">
+                  <c:v>45170</c:v>
+                </c:pt>
+                <c:pt idx="159">
+                  <c:v>45174</c:v>
+                </c:pt>
+                <c:pt idx="160">
+                  <c:v>45175</c:v>
+                </c:pt>
+                <c:pt idx="161">
+                  <c:v>45176</c:v>
+                </c:pt>
+                <c:pt idx="162">
+                  <c:v>45177</c:v>
+                </c:pt>
+                <c:pt idx="163">
+                  <c:v>45180</c:v>
+                </c:pt>
+                <c:pt idx="164">
+                  <c:v>45181</c:v>
+                </c:pt>
+                <c:pt idx="165">
+                  <c:v>45182</c:v>
+                </c:pt>
+                <c:pt idx="166">
+                  <c:v>45183</c:v>
+                </c:pt>
+                <c:pt idx="167">
+                  <c:v>45184</c:v>
+                </c:pt>
+                <c:pt idx="168">
+                  <c:v>45187</c:v>
+                </c:pt>
+                <c:pt idx="169">
+                  <c:v>45188</c:v>
+                </c:pt>
+                <c:pt idx="170">
+                  <c:v>45189</c:v>
+                </c:pt>
+                <c:pt idx="171">
+                  <c:v>45190</c:v>
+                </c:pt>
+                <c:pt idx="172">
+                  <c:v>45191</c:v>
+                </c:pt>
+                <c:pt idx="173">
+                  <c:v>45194</c:v>
+                </c:pt>
+                <c:pt idx="174">
+                  <c:v>45195</c:v>
+                </c:pt>
+                <c:pt idx="175">
+                  <c:v>45196</c:v>
+                </c:pt>
+                <c:pt idx="176">
+                  <c:v>45197</c:v>
+                </c:pt>
+                <c:pt idx="177">
+                  <c:v>45198</c:v>
+                </c:pt>
+                <c:pt idx="178">
+                  <c:v>45201</c:v>
+                </c:pt>
+                <c:pt idx="179">
+                  <c:v>45202</c:v>
+                </c:pt>
+                <c:pt idx="180">
+                  <c:v>45203</c:v>
+                </c:pt>
+                <c:pt idx="181">
+                  <c:v>45204</c:v>
+                </c:pt>
+                <c:pt idx="182">
+                  <c:v>45205</c:v>
+                </c:pt>
+                <c:pt idx="183">
+                  <c:v>45208</c:v>
+                </c:pt>
+                <c:pt idx="184">
+                  <c:v>45209</c:v>
+                </c:pt>
+                <c:pt idx="185">
+                  <c:v>45210</c:v>
+                </c:pt>
+                <c:pt idx="186">
+                  <c:v>45211</c:v>
+                </c:pt>
+                <c:pt idx="187">
+                  <c:v>45212</c:v>
+                </c:pt>
+                <c:pt idx="188">
+                  <c:v>45215</c:v>
+                </c:pt>
+                <c:pt idx="189">
+                  <c:v>45216</c:v>
+                </c:pt>
+                <c:pt idx="190">
+                  <c:v>45217</c:v>
+                </c:pt>
+                <c:pt idx="191">
+                  <c:v>45218</c:v>
+                </c:pt>
+                <c:pt idx="192">
+                  <c:v>45219</c:v>
+                </c:pt>
+                <c:pt idx="193">
+                  <c:v>45222</c:v>
+                </c:pt>
+                <c:pt idx="194">
+                  <c:v>45223</c:v>
+                </c:pt>
+                <c:pt idx="195">
+                  <c:v>45224</c:v>
+                </c:pt>
+                <c:pt idx="196">
+                  <c:v>45225</c:v>
+                </c:pt>
+                <c:pt idx="197">
+                  <c:v>45226</c:v>
+                </c:pt>
+                <c:pt idx="198">
+                  <c:v>45229</c:v>
+                </c:pt>
+                <c:pt idx="199">
+                  <c:v>45230</c:v>
+                </c:pt>
+                <c:pt idx="200">
+                  <c:v>45231</c:v>
+                </c:pt>
+                <c:pt idx="201">
+                  <c:v>45232</c:v>
+                </c:pt>
+                <c:pt idx="202">
+                  <c:v>45233</c:v>
+                </c:pt>
+                <c:pt idx="203">
+                  <c:v>45236</c:v>
+                </c:pt>
+                <c:pt idx="204">
+                  <c:v>45237</c:v>
+                </c:pt>
+                <c:pt idx="205">
+                  <c:v>45238</c:v>
+                </c:pt>
+                <c:pt idx="206">
+                  <c:v>45239</c:v>
+                </c:pt>
+                <c:pt idx="207">
+                  <c:v>45240</c:v>
+                </c:pt>
+                <c:pt idx="208">
+                  <c:v>45243</c:v>
+                </c:pt>
+                <c:pt idx="209">
+                  <c:v>45244</c:v>
+                </c:pt>
+                <c:pt idx="210">
+                  <c:v>45245</c:v>
+                </c:pt>
+                <c:pt idx="211">
+                  <c:v>45246</c:v>
+                </c:pt>
+                <c:pt idx="212">
+                  <c:v>45247</c:v>
+                </c:pt>
+                <c:pt idx="213">
+                  <c:v>45250</c:v>
+                </c:pt>
+                <c:pt idx="214">
+                  <c:v>45251</c:v>
+                </c:pt>
+                <c:pt idx="215">
+                  <c:v>45252</c:v>
+                </c:pt>
+                <c:pt idx="216">
+                  <c:v>45254</c:v>
+                </c:pt>
+                <c:pt idx="217">
+                  <c:v>45257</c:v>
+                </c:pt>
+                <c:pt idx="218">
+                  <c:v>45258</c:v>
+                </c:pt>
+                <c:pt idx="219">
+                  <c:v>45259</c:v>
+                </c:pt>
+                <c:pt idx="220">
+                  <c:v>45260</c:v>
+                </c:pt>
+                <c:pt idx="221">
+                  <c:v>45261</c:v>
+                </c:pt>
+                <c:pt idx="222">
+                  <c:v>45264</c:v>
+                </c:pt>
+                <c:pt idx="223">
+                  <c:v>45265</c:v>
+                </c:pt>
+                <c:pt idx="224">
+                  <c:v>45266</c:v>
+                </c:pt>
+                <c:pt idx="225">
+                  <c:v>45267</c:v>
+                </c:pt>
+                <c:pt idx="226">
+                  <c:v>45268</c:v>
+                </c:pt>
+                <c:pt idx="227">
+                  <c:v>45271</c:v>
+                </c:pt>
+                <c:pt idx="228">
+                  <c:v>45272</c:v>
+                </c:pt>
+                <c:pt idx="229">
+                  <c:v>45273</c:v>
+                </c:pt>
+                <c:pt idx="230">
+                  <c:v>45274</c:v>
+                </c:pt>
+                <c:pt idx="231">
+                  <c:v>45275</c:v>
+                </c:pt>
+              </c:numCache>
+            </c:numRef>
+          </c:cat>
+          <c:val>
+            <c:numRef>
+              <c:f>'Volatility Analysis'!$E$22:$E$253</c:f>
+              <c:numCache>
+                <c:formatCode>General</c:formatCode>
+                <c:ptCount val="232"/>
+                <c:pt idx="30">
+                  <c:v>0.82423436345692969</c:v>
+                </c:pt>
+                <c:pt idx="31">
+                  <c:v>0.82867044489646302</c:v>
+                </c:pt>
+                <c:pt idx="32">
+                  <c:v>0.83134518252979761</c:v>
+                </c:pt>
+                <c:pt idx="33">
+                  <c:v>0.80796178314950484</c:v>
+                </c:pt>
+                <c:pt idx="34">
+                  <c:v>0.81247069831620566</c:v>
+                </c:pt>
+                <c:pt idx="35">
+                  <c:v>0.78483768674298837</c:v>
+                </c:pt>
+                <c:pt idx="36">
+                  <c:v>0.79393753633533704</c:v>
+                </c:pt>
+                <c:pt idx="37">
+                  <c:v>0.7377812717369181</c:v>
+                </c:pt>
+                <c:pt idx="38">
+                  <c:v>0.73587059086020801</c:v>
+                </c:pt>
+                <c:pt idx="39">
+                  <c:v>0.72474619589953215</c:v>
+                </c:pt>
+                <c:pt idx="40">
+                  <c:v>0.7266499970380047</c:v>
+                </c:pt>
+                <c:pt idx="41">
+                  <c:v>0.65409046961423378</c:v>
+                </c:pt>
+                <c:pt idx="42">
+                  <c:v>0.65177188160952471</c:v>
+                </c:pt>
+                <c:pt idx="43">
+                  <c:v>0.64589728689002524</c:v>
+                </c:pt>
+                <c:pt idx="44">
+                  <c:v>0.66165439651374491</c:v>
+                </c:pt>
+                <c:pt idx="45">
+                  <c:v>0.66021709473755019</c:v>
+                </c:pt>
+                <c:pt idx="46">
+                  <c:v>0.65911970804574804</c:v>
+                </c:pt>
+                <c:pt idx="47">
+                  <c:v>0.65763147221789497</c:v>
+                </c:pt>
+                <c:pt idx="48">
+                  <c:v>0.6574983620316015</c:v>
+                </c:pt>
+                <c:pt idx="49">
+                  <c:v>0.65818836675719117</c:v>
+                </c:pt>
+                <c:pt idx="50">
+                  <c:v>0.64329004308391435</c:v>
+                </c:pt>
+                <c:pt idx="51">
+                  <c:v>0.63993894433674736</c:v>
+                </c:pt>
+                <c:pt idx="52">
+                  <c:v>0.64866810703142486</c:v>
+                </c:pt>
+                <c:pt idx="53">
+                  <c:v>0.66288082908274504</c:v>
+                </c:pt>
+                <c:pt idx="54">
+                  <c:v>0.64599203907346026</c:v>
+                </c:pt>
+                <c:pt idx="55">
+                  <c:v>0.65319689801807335</c:v>
+                </c:pt>
+                <c:pt idx="56">
+                  <c:v>0.65341291775108457</c:v>
+                </c:pt>
+                <c:pt idx="57">
+                  <c:v>0.61267883245133681</c:v>
+                </c:pt>
+                <c:pt idx="58">
+                  <c:v>0.56720552369104105</c:v>
+                </c:pt>
+                <c:pt idx="59">
+                  <c:v>0.55253370160692616</c:v>
+                </c:pt>
+                <c:pt idx="60">
+                  <c:v>0.54969328846399945</c:v>
+                </c:pt>
+                <c:pt idx="61">
+                  <c:v>0.54013026007538589</c:v>
+                </c:pt>
+                <c:pt idx="62">
+                  <c:v>0.53411930705164845</c:v>
+                </c:pt>
+                <c:pt idx="63">
+                  <c:v>0.53468420518304638</c:v>
+                </c:pt>
+                <c:pt idx="64">
+                  <c:v>0.53324585168737271</c:v>
+                </c:pt>
+                <c:pt idx="65">
+                  <c:v>0.57878527457108775</c:v>
+                </c:pt>
+                <c:pt idx="66">
+                  <c:v>0.5769096233432881</c:v>
+                </c:pt>
+                <c:pt idx="67">
+                  <c:v>0.57228274572881188</c:v>
+                </c:pt>
+                <c:pt idx="68">
+                  <c:v>0.56239926613087132</c:v>
+                </c:pt>
+                <c:pt idx="69">
+                  <c:v>0.56933558612379576</c:v>
+                </c:pt>
+                <c:pt idx="70">
+                  <c:v>0.55150704747791401</c:v>
+                </c:pt>
+                <c:pt idx="71">
+                  <c:v>0.55201664343392609</c:v>
+                </c:pt>
+                <c:pt idx="72">
+                  <c:v>0.538843371179345</c:v>
+                </c:pt>
+                <c:pt idx="73">
+                  <c:v>0.53290801295777235</c:v>
+                </c:pt>
+                <c:pt idx="74">
+                  <c:v>0.52122928254649736</c:v>
+                </c:pt>
+                <c:pt idx="75">
+                  <c:v>0.51918513125329024</c:v>
+                </c:pt>
+                <c:pt idx="76">
+                  <c:v>0.53485830055091776</c:v>
+                </c:pt>
+                <c:pt idx="77">
+                  <c:v>0.53315953852641829</c:v>
+                </c:pt>
+                <c:pt idx="78">
+                  <c:v>0.51815527461779998</c:v>
+                </c:pt>
+                <c:pt idx="79">
+                  <c:v>0.5180189784774426</c:v>
+                </c:pt>
+                <c:pt idx="80">
+                  <c:v>0.52040842363202022</c:v>
+                </c:pt>
+                <c:pt idx="81">
+                  <c:v>0.50609395992063666</c:v>
+                </c:pt>
+                <c:pt idx="82">
+                  <c:v>0.49872421696388952</c:v>
+                </c:pt>
+                <c:pt idx="83">
+                  <c:v>0.49730669089665053</c:v>
+                </c:pt>
+                <c:pt idx="84">
+                  <c:v>0.50340041340645625</c:v>
+                </c:pt>
+                <c:pt idx="85">
+                  <c:v>0.50054867829811933</c:v>
+                </c:pt>
+                <c:pt idx="86">
+                  <c:v>0.48851615016292688</c:v>
+                </c:pt>
+                <c:pt idx="87">
+                  <c:v>0.49958774967909891</c:v>
+                </c:pt>
+                <c:pt idx="88">
+                  <c:v>0.501160317073577</c:v>
+                </c:pt>
+                <c:pt idx="89">
+                  <c:v>0.49027888649590423</c:v>
+                </c:pt>
+                <c:pt idx="90">
+                  <c:v>0.48935471443229556</c:v>
+                </c:pt>
+                <c:pt idx="91">
+                  <c:v>0.49813839475934224</c:v>
+                </c:pt>
+                <c:pt idx="92">
+                  <c:v>0.50310127820904571</c:v>
+                </c:pt>
+                <c:pt idx="93">
+                  <c:v>0.50262557604857006</c:v>
+                </c:pt>
+                <c:pt idx="94">
+                  <c:v>0.47525422257627731</c:v>
+                </c:pt>
+                <c:pt idx="95">
+                  <c:v>0.47327301230820934</c:v>
+                </c:pt>
+                <c:pt idx="96">
+                  <c:v>0.47436234088627177</c:v>
+                </c:pt>
+                <c:pt idx="97">
+                  <c:v>0.47463587499476023</c:v>
+                </c:pt>
+                <c:pt idx="98">
+                  <c:v>0.47526209599544461</c:v>
+                </c:pt>
+                <c:pt idx="99">
+                  <c:v>0.48270097849428062</c:v>
+                </c:pt>
+                <c:pt idx="100">
+                  <c:v>0.48721751511201161</c:v>
+                </c:pt>
+                <c:pt idx="101">
+                  <c:v>0.48875090694769452</c:v>
+                </c:pt>
+                <c:pt idx="102">
+                  <c:v>0.47697842176618843</c:v>
+                </c:pt>
+                <c:pt idx="103">
+                  <c:v>0.45206852668497072</c:v>
+                </c:pt>
+                <c:pt idx="104">
+                  <c:v>0.45090385049949128</c:v>
+                </c:pt>
+                <c:pt idx="105">
+                  <c:v>0.44069858276117074</c:v>
+                </c:pt>
+                <c:pt idx="106">
+                  <c:v>0.45168897069233416</c:v>
+                </c:pt>
+                <c:pt idx="107">
+                  <c:v>0.47360611469439018</c:v>
+                </c:pt>
+                <c:pt idx="108">
+                  <c:v>0.47433511857993388</c:v>
+                </c:pt>
+                <c:pt idx="109">
+                  <c:v>0.47292080416144794</c:v>
+                </c:pt>
+                <c:pt idx="110">
+                  <c:v>0.49518321274081578</c:v>
+                </c:pt>
+                <c:pt idx="111">
+                  <c:v>0.49982190821557965</c:v>
+                </c:pt>
+                <c:pt idx="112">
+                  <c:v>0.50130913718927328</c:v>
+                </c:pt>
+                <c:pt idx="113">
+                  <c:v>0.49900331270741893</c:v>
+                </c:pt>
+                <c:pt idx="114">
+                  <c:v>0.49555030578114018</c:v>
+                </c:pt>
+                <c:pt idx="115">
+                  <c:v>0.44531624250319279</c:v>
+                </c:pt>
+                <c:pt idx="116">
+                  <c:v>0.44530388476355548</c:v>
+                </c:pt>
+                <c:pt idx="117">
+                  <c:v>0.44725475937722831</c:v>
+                </c:pt>
+                <c:pt idx="118">
+                  <c:v>0.44632191528025283</c:v>
+                </c:pt>
+                <c:pt idx="119">
+                  <c:v>0.43340204659005621</c:v>
+                </c:pt>
+                <c:pt idx="120">
+                  <c:v>0.42855611273934169</c:v>
+                </c:pt>
+                <c:pt idx="121">
+                  <c:v>0.42720027457001003</c:v>
+                </c:pt>
+                <c:pt idx="122">
+                  <c:v>0.42394792473842635</c:v>
+                </c:pt>
+                <c:pt idx="123">
+                  <c:v>0.42140075299322632</c:v>
+                </c:pt>
+                <c:pt idx="124">
+                  <c:v>0.42325772706183828</c:v>
+                </c:pt>
+                <c:pt idx="125">
+                  <c:v>0.4228622259727563</c:v>
+                </c:pt>
+                <c:pt idx="126">
+                  <c:v>0.41401508823546729</c:v>
+                </c:pt>
+                <c:pt idx="127">
+                  <c:v>0.48607190260853667</c:v>
+                </c:pt>
+                <c:pt idx="128">
+                  <c:v>0.48503501472098887</c:v>
+                </c:pt>
+                <c:pt idx="129">
+                  <c:v>0.487564386565565</c:v>
+                </c:pt>
+                <c:pt idx="130">
+                  <c:v>0.48966379185080011</c:v>
+                </c:pt>
+                <c:pt idx="131">
+                  <c:v>0.48471254187120327</c:v>
+                </c:pt>
+                <c:pt idx="132">
+                  <c:v>0.4922383511438535</c:v>
+                </c:pt>
+                <c:pt idx="133">
+                  <c:v>0.4972845659923758</c:v>
+                </c:pt>
+                <c:pt idx="134">
+                  <c:v>0.49134804619655059</c:v>
+                </c:pt>
+                <c:pt idx="135">
+                  <c:v>0.49636013839638393</c:v>
+                </c:pt>
+                <c:pt idx="136">
+                  <c:v>0.50185327663501667</c:v>
+                </c:pt>
+                <c:pt idx="137">
+                  <c:v>0.49423156139844981</c:v>
+                </c:pt>
+                <c:pt idx="138">
+                  <c:v>0.49547570825301585</c:v>
+                </c:pt>
+                <c:pt idx="139">
+                  <c:v>0.49428895561044278</c:v>
+                </c:pt>
+                <c:pt idx="140">
+                  <c:v>0.49516897530348031</c:v>
+                </c:pt>
+                <c:pt idx="141">
+                  <c:v>0.4931805337173582</c:v>
+                </c:pt>
+                <c:pt idx="142">
+                  <c:v>0.48663992423593283</c:v>
+                </c:pt>
+                <c:pt idx="143">
+                  <c:v>0.48726805758406544</c:v>
+                </c:pt>
+                <c:pt idx="144">
+                  <c:v>0.48740772040783409</c:v>
+                </c:pt>
+                <c:pt idx="145">
+                  <c:v>0.48827260773414249</c:v>
+                </c:pt>
+                <c:pt idx="146">
+                  <c:v>0.49282313919229498</c:v>
+                </c:pt>
+                <c:pt idx="147">
+                  <c:v>0.49576327180388974</c:v>
+                </c:pt>
+                <c:pt idx="148">
+                  <c:v>0.49601527930449002</c:v>
+                </c:pt>
+                <c:pt idx="149">
+                  <c:v>0.51150563328677212</c:v>
+                </c:pt>
+                <c:pt idx="150">
+                  <c:v>0.50358547790777397</c:v>
+                </c:pt>
+                <c:pt idx="151">
+                  <c:v>0.50229306708762034</c:v>
+                </c:pt>
+                <c:pt idx="152">
+                  <c:v>0.49927529534402898</c:v>
+                </c:pt>
+                <c:pt idx="153">
+                  <c:v>0.50668742777448827</c:v>
+                </c:pt>
+                <c:pt idx="154">
+                  <c:v>0.50669518852354301</c:v>
+                </c:pt>
+                <c:pt idx="155">
+                  <c:v>0.53279696881793004</c:v>
+                </c:pt>
+                <c:pt idx="156">
+                  <c:v>0.51911164312563185</c:v>
+                </c:pt>
+                <c:pt idx="157">
+                  <c:v>0.50373092029126676</c:v>
+                </c:pt>
+                <c:pt idx="158">
+                  <c:v>0.51486628215388619</c:v>
+                </c:pt>
+                <c:pt idx="159">
+                  <c:v>0.52119723794222816</c:v>
+                </c:pt>
+                <c:pt idx="160">
+                  <c:v>0.50292783996944956</c:v>
+                </c:pt>
+                <c:pt idx="161">
+                  <c:v>0.49595115966721576</c:v>
+                </c:pt>
+                <c:pt idx="162">
+                  <c:v>0.49364320676733958</c:v>
+                </c:pt>
+                <c:pt idx="163">
+                  <c:v>0.53945553449939987</c:v>
+                </c:pt>
+                <c:pt idx="164">
+                  <c:v>0.54089910811523489</c:v>
+                </c:pt>
+                <c:pt idx="165">
+                  <c:v>0.52019435422689664</c:v>
+                </c:pt>
+                <c:pt idx="166">
+                  <c:v>0.52127995724723875</c:v>
+                </c:pt>
+                <c:pt idx="167">
+                  <c:v>0.51926387747374636</c:v>
+                </c:pt>
+                <c:pt idx="168">
+                  <c:v>0.52450548203028791</c:v>
+                </c:pt>
+                <c:pt idx="169">
+                  <c:v>0.52316186070910742</c:v>
+                </c:pt>
+                <c:pt idx="170">
+                  <c:v>0.52417777293141921</c:v>
+                </c:pt>
+                <c:pt idx="171">
+                  <c:v>0.52702348634585006</c:v>
+                </c:pt>
+                <c:pt idx="172">
+                  <c:v>0.53269288946749849</c:v>
+                </c:pt>
+                <c:pt idx="173">
+                  <c:v>0.53220260127468444</c:v>
+                </c:pt>
+                <c:pt idx="174">
+                  <c:v>0.5267561121985026</c:v>
+                </c:pt>
+                <c:pt idx="175">
+                  <c:v>0.52643087848684167</c:v>
+                </c:pt>
+                <c:pt idx="176">
+                  <c:v>0.53015312319775065</c:v>
+                </c:pt>
+                <c:pt idx="177">
+                  <c:v>0.48036528461318179</c:v>
+                </c:pt>
+                <c:pt idx="178">
+                  <c:v>0.48002183174051805</c:v>
+                </c:pt>
+                <c:pt idx="179">
+                  <c:v>0.47523903462983452</c:v>
+                </c:pt>
+                <c:pt idx="180">
+                  <c:v>0.49268952013286738</c:v>
+                </c:pt>
+                <c:pt idx="181">
+                  <c:v>0.49271744787588256</c:v>
+                </c:pt>
+                <c:pt idx="182">
+                  <c:v>0.4869069354426494</c:v>
+                </c:pt>
+                <c:pt idx="183">
+                  <c:v>0.47788955263815663</c:v>
+                </c:pt>
+                <c:pt idx="184">
+                  <c:v>0.47909430943088327</c:v>
+                </c:pt>
+                <c:pt idx="185">
+                  <c:v>0.47600988658729859</c:v>
+                </c:pt>
+                <c:pt idx="186">
+                  <c:v>0.47336321977186852</c:v>
+                </c:pt>
+                <c:pt idx="187">
+                  <c:v>0.47607249770114107</c:v>
+                </c:pt>
+                <c:pt idx="188">
+                  <c:v>0.47439262423623496</c:v>
+                </c:pt>
+                <c:pt idx="189">
+                  <c:v>0.4739503692242959</c:v>
+                </c:pt>
+                <c:pt idx="190">
+                  <c:v>0.48649164454639748</c:v>
+                </c:pt>
+                <c:pt idx="191">
+                  <c:v>0.52933904771498064</c:v>
+                </c:pt>
+                <c:pt idx="192">
+                  <c:v>0.53420218862504787</c:v>
+                </c:pt>
+                <c:pt idx="193">
+                  <c:v>0.53392627733973275</c:v>
+                </c:pt>
+                <c:pt idx="194">
+                  <c:v>0.5360518555052417</c:v>
+                </c:pt>
+                <c:pt idx="195">
+                  <c:v>0.53400200268151643</c:v>
+                </c:pt>
+                <c:pt idx="196">
+                  <c:v>0.53392966882434245</c:v>
+                </c:pt>
+                <c:pt idx="197">
+                  <c:v>0.53072679997622474</c:v>
+                </c:pt>
+                <c:pt idx="198">
+                  <c:v>0.5405017998878362</c:v>
+                </c:pt>
+                <c:pt idx="199">
+                  <c:v>0.51637347975383918</c:v>
+                </c:pt>
+                <c:pt idx="200">
+                  <c:v>0.51925240402608785</c:v>
+                </c:pt>
+                <c:pt idx="201">
+                  <c:v>0.53692489710770552</c:v>
+                </c:pt>
+                <c:pt idx="202">
+                  <c:v>0.53345206166543702</c:v>
+                </c:pt>
+                <c:pt idx="203">
+                  <c:v>0.52651380034395945</c:v>
+                </c:pt>
+                <c:pt idx="204">
+                  <c:v>0.52754824747732687</c:v>
+                </c:pt>
+                <c:pt idx="205">
+                  <c:v>0.49829944547217153</c:v>
+                </c:pt>
+                <c:pt idx="206">
+                  <c:v>0.51244562234191582</c:v>
+                </c:pt>
+                <c:pt idx="207">
+                  <c:v>0.51544574166346036</c:v>
+                </c:pt>
+                <c:pt idx="208">
+                  <c:v>0.51304515069407441</c:v>
+                </c:pt>
+                <c:pt idx="209">
+                  <c:v>0.52044921566186342</c:v>
+                </c:pt>
+                <c:pt idx="210">
+                  <c:v>0.52183997362759826</c:v>
+                </c:pt>
+                <c:pt idx="211">
+                  <c:v>0.52883383488298719</c:v>
+                </c:pt>
+                <c:pt idx="212">
+                  <c:v>0.52837450778949768</c:v>
+                </c:pt>
+                <c:pt idx="213">
+                  <c:v>0.47922212169189687</c:v>
+                </c:pt>
+                <c:pt idx="214">
+                  <c:v>0.4807077960085327</c:v>
+                </c:pt>
+                <c:pt idx="215">
+                  <c:v>0.48309415784973259</c:v>
+                </c:pt>
+                <c:pt idx="216">
+                  <c:v>0.48124255535959631</c:v>
+                </c:pt>
+                <c:pt idx="217">
+                  <c:v>0.48137576929424769</c:v>
+                </c:pt>
+                <c:pt idx="218">
+                  <c:v>0.48750612619842226</c:v>
+                </c:pt>
+                <c:pt idx="219">
+                  <c:v>0.4877236360365711</c:v>
+                </c:pt>
+                <c:pt idx="220">
+                  <c:v>0.48801842464011946</c:v>
+                </c:pt>
+                <c:pt idx="221">
+                  <c:v>0.48476877092873083</c:v>
+                </c:pt>
+                <c:pt idx="222">
+                  <c:v>0.47607153579328787</c:v>
+                </c:pt>
+                <c:pt idx="223">
+                  <c:v>0.47665950732653245</c:v>
+                </c:pt>
+                <c:pt idx="224">
+                  <c:v>0.47604308050548994</c:v>
+                </c:pt>
+                <c:pt idx="225">
+                  <c:v>0.47586439136278119</c:v>
+                </c:pt>
+                <c:pt idx="226">
+                  <c:v>0.47281817016656585</c:v>
+                </c:pt>
+                <c:pt idx="227">
+                  <c:v>0.47289407685653673</c:v>
+                </c:pt>
+                <c:pt idx="228">
+                  <c:v>0.47325508439025521</c:v>
+                </c:pt>
+                <c:pt idx="229">
+                  <c:v>0.47178462840590424</c:v>
+                </c:pt>
+                <c:pt idx="230">
+                  <c:v>0.4660856072494482</c:v>
+                </c:pt>
+                <c:pt idx="231">
+                  <c:v>0.46660783004897272</c:v>
+                </c:pt>
+              </c:numCache>
+            </c:numRef>
+          </c:val>
+          <c:smooth val="0"/>
+          <c:extLst>
+            <c:ext xmlns:c16="http://schemas.microsoft.com/office/drawing/2014/chart" uri="{C3380CC4-5D6E-409C-BE32-E72D297353CC}">
+              <c16:uniqueId val="{00000001-8D51-4627-BD20-F26FDB8C3208}"/>
+            </c:ext>
+          </c:extLst>
+        </c:ser>
+        <c:ser>
+          <c:idx val="2"/>
+          <c:order val="2"/>
+          <c:tx>
+            <c:strRef>
+              <c:f>'Volatility Analysis'!$F$1:$F$21</c:f>
+              <c:strCache>
+                <c:ptCount val="21"/>
+                <c:pt idx="0">
+                  <c:v>100 Day Volatility</c:v>
+                </c:pt>
+              </c:strCache>
+            </c:strRef>
+          </c:tx>
+          <c:spPr>
+            <a:ln w="28575" cap="rnd">
+              <a:solidFill>
+                <a:schemeClr val="accent6"/>
+              </a:solidFill>
+              <a:round/>
+            </a:ln>
+            <a:effectLst/>
+          </c:spPr>
+          <c:marker>
+            <c:symbol val="none"/>
+          </c:marker>
+          <c:cat>
+            <c:numRef>
+              <c:f>'Volatility Analysis'!$A$22:$A$253</c:f>
+              <c:numCache>
+                <c:formatCode>m/d/yyyy</c:formatCode>
+                <c:ptCount val="232"/>
+                <c:pt idx="0">
+                  <c:v>44943</c:v>
+                </c:pt>
+                <c:pt idx="1">
+                  <c:v>44944</c:v>
+                </c:pt>
+                <c:pt idx="2">
+                  <c:v>44945</c:v>
+                </c:pt>
+                <c:pt idx="3">
+                  <c:v>44946</c:v>
+                </c:pt>
+                <c:pt idx="4">
+                  <c:v>44949</c:v>
+                </c:pt>
+                <c:pt idx="5">
+                  <c:v>44950</c:v>
+                </c:pt>
+                <c:pt idx="6">
+                  <c:v>44951</c:v>
+                </c:pt>
+                <c:pt idx="7">
+                  <c:v>44952</c:v>
+                </c:pt>
+                <c:pt idx="8">
+                  <c:v>44953</c:v>
+                </c:pt>
+                <c:pt idx="9">
+                  <c:v>44956</c:v>
+                </c:pt>
+                <c:pt idx="10">
+                  <c:v>44957</c:v>
+                </c:pt>
+                <c:pt idx="11">
+                  <c:v>44958</c:v>
+                </c:pt>
+                <c:pt idx="12">
+                  <c:v>44959</c:v>
+                </c:pt>
+                <c:pt idx="13">
+                  <c:v>44960</c:v>
+                </c:pt>
+                <c:pt idx="14">
+                  <c:v>44963</c:v>
+                </c:pt>
+                <c:pt idx="15">
+                  <c:v>44964</c:v>
+                </c:pt>
+                <c:pt idx="16">
+                  <c:v>44965</c:v>
+                </c:pt>
+                <c:pt idx="17">
+                  <c:v>44966</c:v>
+                </c:pt>
+                <c:pt idx="18">
+                  <c:v>44967</c:v>
+                </c:pt>
+                <c:pt idx="19">
+                  <c:v>44970</c:v>
+                </c:pt>
+                <c:pt idx="20">
+                  <c:v>44971</c:v>
+                </c:pt>
+                <c:pt idx="21">
+                  <c:v>44972</c:v>
+                </c:pt>
+                <c:pt idx="22">
+                  <c:v>44973</c:v>
+                </c:pt>
+                <c:pt idx="23">
+                  <c:v>44974</c:v>
+                </c:pt>
+                <c:pt idx="24">
+                  <c:v>44978</c:v>
+                </c:pt>
+                <c:pt idx="25">
+                  <c:v>44979</c:v>
+                </c:pt>
+                <c:pt idx="26">
+                  <c:v>44980</c:v>
+                </c:pt>
+                <c:pt idx="27">
+                  <c:v>44981</c:v>
+                </c:pt>
+                <c:pt idx="28">
+                  <c:v>44984</c:v>
+                </c:pt>
+                <c:pt idx="29">
+                  <c:v>44985</c:v>
+                </c:pt>
+                <c:pt idx="30">
+                  <c:v>44986</c:v>
+                </c:pt>
+                <c:pt idx="31">
+                  <c:v>44987</c:v>
+                </c:pt>
+                <c:pt idx="32">
+                  <c:v>44988</c:v>
+                </c:pt>
+                <c:pt idx="33">
+                  <c:v>44991</c:v>
+                </c:pt>
+                <c:pt idx="34">
+                  <c:v>44992</c:v>
+                </c:pt>
+                <c:pt idx="35">
+                  <c:v>44993</c:v>
+                </c:pt>
+                <c:pt idx="36">
+                  <c:v>44994</c:v>
+                </c:pt>
+                <c:pt idx="37">
+                  <c:v>44995</c:v>
+                </c:pt>
+                <c:pt idx="38">
+                  <c:v>44998</c:v>
+                </c:pt>
+                <c:pt idx="39">
+                  <c:v>44999</c:v>
+                </c:pt>
+                <c:pt idx="40">
+                  <c:v>45000</c:v>
+                </c:pt>
+                <c:pt idx="41">
+                  <c:v>45001</c:v>
+                </c:pt>
+                <c:pt idx="42">
+                  <c:v>45002</c:v>
+                </c:pt>
+                <c:pt idx="43">
+                  <c:v>45005</c:v>
+                </c:pt>
+                <c:pt idx="44">
+                  <c:v>45006</c:v>
+                </c:pt>
+                <c:pt idx="45">
+                  <c:v>45007</c:v>
+                </c:pt>
+                <c:pt idx="46">
+                  <c:v>45008</c:v>
+                </c:pt>
+                <c:pt idx="47">
+                  <c:v>45009</c:v>
+                </c:pt>
+                <c:pt idx="48">
+                  <c:v>45012</c:v>
+                </c:pt>
+                <c:pt idx="49">
+                  <c:v>45013</c:v>
+                </c:pt>
+                <c:pt idx="50">
+                  <c:v>45014</c:v>
+                </c:pt>
+                <c:pt idx="51">
+                  <c:v>45015</c:v>
+                </c:pt>
+                <c:pt idx="52">
+                  <c:v>45016</c:v>
+                </c:pt>
+                <c:pt idx="53">
+                  <c:v>45019</c:v>
+                </c:pt>
+                <c:pt idx="54">
+                  <c:v>45020</c:v>
+                </c:pt>
+                <c:pt idx="55">
+                  <c:v>45021</c:v>
+                </c:pt>
+                <c:pt idx="56">
+                  <c:v>45022</c:v>
+                </c:pt>
+                <c:pt idx="57">
+                  <c:v>45026</c:v>
+                </c:pt>
+                <c:pt idx="58">
+                  <c:v>45027</c:v>
+                </c:pt>
+                <c:pt idx="59">
+                  <c:v>45028</c:v>
+                </c:pt>
+                <c:pt idx="60">
+                  <c:v>45029</c:v>
+                </c:pt>
+                <c:pt idx="61">
+                  <c:v>45030</c:v>
+                </c:pt>
+                <c:pt idx="62">
+                  <c:v>45033</c:v>
+                </c:pt>
+                <c:pt idx="63">
+                  <c:v>45034</c:v>
+                </c:pt>
+                <c:pt idx="64">
+                  <c:v>45035</c:v>
+                </c:pt>
+                <c:pt idx="65">
+                  <c:v>45036</c:v>
+                </c:pt>
+                <c:pt idx="66">
+                  <c:v>45037</c:v>
+                </c:pt>
+                <c:pt idx="67">
+                  <c:v>45040</c:v>
+                </c:pt>
+                <c:pt idx="68">
+                  <c:v>45041</c:v>
+                </c:pt>
+                <c:pt idx="69">
+                  <c:v>45042</c:v>
+                </c:pt>
+                <c:pt idx="70">
+                  <c:v>45043</c:v>
+                </c:pt>
+                <c:pt idx="71">
+                  <c:v>45044</c:v>
+                </c:pt>
+                <c:pt idx="72">
+                  <c:v>45047</c:v>
+                </c:pt>
+                <c:pt idx="73">
+                  <c:v>45048</c:v>
+                </c:pt>
+                <c:pt idx="74">
+                  <c:v>45049</c:v>
+                </c:pt>
+                <c:pt idx="75">
+                  <c:v>45050</c:v>
+                </c:pt>
+                <c:pt idx="76">
+                  <c:v>45051</c:v>
+                </c:pt>
+                <c:pt idx="77">
+                  <c:v>45054</c:v>
+                </c:pt>
+                <c:pt idx="78">
+                  <c:v>45055</c:v>
+                </c:pt>
+                <c:pt idx="79">
+                  <c:v>45056</c:v>
+                </c:pt>
+                <c:pt idx="80">
+                  <c:v>45057</c:v>
+                </c:pt>
+                <c:pt idx="81">
+                  <c:v>45058</c:v>
+                </c:pt>
+                <c:pt idx="82">
+                  <c:v>45061</c:v>
+                </c:pt>
+                <c:pt idx="83">
+                  <c:v>45062</c:v>
+                </c:pt>
+                <c:pt idx="84">
+                  <c:v>45063</c:v>
+                </c:pt>
+                <c:pt idx="85">
+                  <c:v>45064</c:v>
+                </c:pt>
+                <c:pt idx="86">
+                  <c:v>45065</c:v>
+                </c:pt>
+                <c:pt idx="87">
+                  <c:v>45068</c:v>
+                </c:pt>
+                <c:pt idx="88">
+                  <c:v>45069</c:v>
+                </c:pt>
+                <c:pt idx="89">
+                  <c:v>45070</c:v>
+                </c:pt>
+                <c:pt idx="90">
+                  <c:v>45071</c:v>
+                </c:pt>
+                <c:pt idx="91">
+                  <c:v>45072</c:v>
+                </c:pt>
+                <c:pt idx="92">
+                  <c:v>45076</c:v>
+                </c:pt>
+                <c:pt idx="93">
+                  <c:v>45077</c:v>
+                </c:pt>
+                <c:pt idx="94">
+                  <c:v>45078</c:v>
+                </c:pt>
+                <c:pt idx="95">
+                  <c:v>45079</c:v>
+                </c:pt>
+                <c:pt idx="96">
+                  <c:v>45082</c:v>
+                </c:pt>
+                <c:pt idx="97">
+                  <c:v>45083</c:v>
+                </c:pt>
+                <c:pt idx="98">
+                  <c:v>45084</c:v>
+                </c:pt>
+                <c:pt idx="99">
+                  <c:v>45085</c:v>
+                </c:pt>
+                <c:pt idx="100">
+                  <c:v>45086</c:v>
+                </c:pt>
+                <c:pt idx="101">
+                  <c:v>45089</c:v>
+                </c:pt>
+                <c:pt idx="102">
+                  <c:v>45090</c:v>
+                </c:pt>
+                <c:pt idx="103">
+                  <c:v>45091</c:v>
+                </c:pt>
+                <c:pt idx="104">
+                  <c:v>45092</c:v>
+                </c:pt>
+                <c:pt idx="105">
+                  <c:v>45093</c:v>
+                </c:pt>
+                <c:pt idx="106">
+                  <c:v>45097</c:v>
+                </c:pt>
+                <c:pt idx="107">
+                  <c:v>45098</c:v>
+                </c:pt>
+                <c:pt idx="108">
+                  <c:v>45099</c:v>
+                </c:pt>
+                <c:pt idx="109">
+                  <c:v>45100</c:v>
+                </c:pt>
+                <c:pt idx="110">
+                  <c:v>45103</c:v>
+                </c:pt>
+                <c:pt idx="111">
+                  <c:v>45104</c:v>
+                </c:pt>
+                <c:pt idx="112">
+                  <c:v>45105</c:v>
+                </c:pt>
+                <c:pt idx="113">
+                  <c:v>45106</c:v>
+                </c:pt>
+                <c:pt idx="114">
+                  <c:v>45107</c:v>
+                </c:pt>
+                <c:pt idx="115">
+                  <c:v>45110</c:v>
+                </c:pt>
+                <c:pt idx="116">
+                  <c:v>45112</c:v>
+                </c:pt>
+                <c:pt idx="117">
+                  <c:v>45113</c:v>
+                </c:pt>
+                <c:pt idx="118">
+                  <c:v>45114</c:v>
+                </c:pt>
+                <c:pt idx="119">
+                  <c:v>45117</c:v>
+                </c:pt>
+                <c:pt idx="120">
+                  <c:v>45118</c:v>
+                </c:pt>
+                <c:pt idx="121">
+                  <c:v>45119</c:v>
+                </c:pt>
+                <c:pt idx="122">
+                  <c:v>45120</c:v>
+                </c:pt>
+                <c:pt idx="123">
+                  <c:v>45121</c:v>
+                </c:pt>
+                <c:pt idx="124">
+                  <c:v>45124</c:v>
+                </c:pt>
+                <c:pt idx="125">
+                  <c:v>45125</c:v>
+                </c:pt>
+                <c:pt idx="126">
+                  <c:v>45126</c:v>
+                </c:pt>
+                <c:pt idx="127">
+                  <c:v>45127</c:v>
+                </c:pt>
+                <c:pt idx="128">
+                  <c:v>45128</c:v>
+                </c:pt>
+                <c:pt idx="129">
+                  <c:v>45131</c:v>
+                </c:pt>
+                <c:pt idx="130">
+                  <c:v>45132</c:v>
+                </c:pt>
+                <c:pt idx="131">
+                  <c:v>45133</c:v>
+                </c:pt>
+                <c:pt idx="132">
+                  <c:v>45134</c:v>
+                </c:pt>
+                <c:pt idx="133">
+                  <c:v>45135</c:v>
+                </c:pt>
+                <c:pt idx="134">
+                  <c:v>45138</c:v>
+                </c:pt>
+                <c:pt idx="135">
+                  <c:v>45139</c:v>
+                </c:pt>
+                <c:pt idx="136">
+                  <c:v>45140</c:v>
+                </c:pt>
+                <c:pt idx="137">
+                  <c:v>45141</c:v>
+                </c:pt>
+                <c:pt idx="138">
+                  <c:v>45142</c:v>
+                </c:pt>
+                <c:pt idx="139">
+                  <c:v>45145</c:v>
+                </c:pt>
+                <c:pt idx="140">
+                  <c:v>45146</c:v>
+                </c:pt>
+                <c:pt idx="141">
+                  <c:v>45147</c:v>
+                </c:pt>
+                <c:pt idx="142">
+                  <c:v>45148</c:v>
+                </c:pt>
+                <c:pt idx="143">
+                  <c:v>45149</c:v>
+                </c:pt>
+                <c:pt idx="144">
+                  <c:v>45152</c:v>
+                </c:pt>
+                <c:pt idx="145">
+                  <c:v>45153</c:v>
+                </c:pt>
+                <c:pt idx="146">
+                  <c:v>45154</c:v>
+                </c:pt>
+                <c:pt idx="147">
+                  <c:v>45155</c:v>
+                </c:pt>
+                <c:pt idx="148">
+                  <c:v>45156</c:v>
+                </c:pt>
+                <c:pt idx="149">
+                  <c:v>45159</c:v>
+                </c:pt>
+                <c:pt idx="150">
+                  <c:v>45160</c:v>
+                </c:pt>
+                <c:pt idx="151">
+                  <c:v>45161</c:v>
+                </c:pt>
+                <c:pt idx="152">
+                  <c:v>45162</c:v>
+                </c:pt>
+                <c:pt idx="153">
+                  <c:v>45163</c:v>
+                </c:pt>
+                <c:pt idx="154">
+                  <c:v>45166</c:v>
+                </c:pt>
+                <c:pt idx="155">
+                  <c:v>45167</c:v>
+                </c:pt>
+                <c:pt idx="156">
+                  <c:v>45168</c:v>
+                </c:pt>
+                <c:pt idx="157">
+                  <c:v>45169</c:v>
+                </c:pt>
+                <c:pt idx="158">
+                  <c:v>45170</c:v>
+                </c:pt>
+                <c:pt idx="159">
+                  <c:v>45174</c:v>
+                </c:pt>
+                <c:pt idx="160">
+                  <c:v>45175</c:v>
+                </c:pt>
+                <c:pt idx="161">
+                  <c:v>45176</c:v>
+                </c:pt>
+                <c:pt idx="162">
+                  <c:v>45177</c:v>
+                </c:pt>
+                <c:pt idx="163">
+                  <c:v>45180</c:v>
+                </c:pt>
+                <c:pt idx="164">
+                  <c:v>45181</c:v>
+                </c:pt>
+                <c:pt idx="165">
+                  <c:v>45182</c:v>
+                </c:pt>
+                <c:pt idx="166">
+                  <c:v>45183</c:v>
+                </c:pt>
+                <c:pt idx="167">
+                  <c:v>45184</c:v>
+                </c:pt>
+                <c:pt idx="168">
+                  <c:v>45187</c:v>
+                </c:pt>
+                <c:pt idx="169">
+                  <c:v>45188</c:v>
+                </c:pt>
+                <c:pt idx="170">
+                  <c:v>45189</c:v>
+                </c:pt>
+                <c:pt idx="171">
+                  <c:v>45190</c:v>
+                </c:pt>
+                <c:pt idx="172">
+                  <c:v>45191</c:v>
+                </c:pt>
+                <c:pt idx="173">
+                  <c:v>45194</c:v>
+                </c:pt>
+                <c:pt idx="174">
+                  <c:v>45195</c:v>
+                </c:pt>
+                <c:pt idx="175">
+                  <c:v>45196</c:v>
+                </c:pt>
+                <c:pt idx="176">
+                  <c:v>45197</c:v>
+                </c:pt>
+                <c:pt idx="177">
+                  <c:v>45198</c:v>
+                </c:pt>
+                <c:pt idx="178">
+                  <c:v>45201</c:v>
+                </c:pt>
+                <c:pt idx="179">
+                  <c:v>45202</c:v>
+                </c:pt>
+                <c:pt idx="180">
+                  <c:v>45203</c:v>
+                </c:pt>
+                <c:pt idx="181">
+                  <c:v>45204</c:v>
+                </c:pt>
+                <c:pt idx="182">
+                  <c:v>45205</c:v>
+                </c:pt>
+                <c:pt idx="183">
+                  <c:v>45208</c:v>
+                </c:pt>
+                <c:pt idx="184">
+                  <c:v>45209</c:v>
+                </c:pt>
+                <c:pt idx="185">
+                  <c:v>45210</c:v>
+                </c:pt>
+                <c:pt idx="186">
+                  <c:v>45211</c:v>
+                </c:pt>
+                <c:pt idx="187">
+                  <c:v>45212</c:v>
+                </c:pt>
+                <c:pt idx="188">
+                  <c:v>45215</c:v>
+                </c:pt>
+                <c:pt idx="189">
+                  <c:v>45216</c:v>
+                </c:pt>
+                <c:pt idx="190">
+                  <c:v>45217</c:v>
+                </c:pt>
+                <c:pt idx="191">
+                  <c:v>45218</c:v>
+                </c:pt>
+                <c:pt idx="192">
+                  <c:v>45219</c:v>
+                </c:pt>
+                <c:pt idx="193">
+                  <c:v>45222</c:v>
+                </c:pt>
+                <c:pt idx="194">
+                  <c:v>45223</c:v>
+                </c:pt>
+                <c:pt idx="195">
+                  <c:v>45224</c:v>
+                </c:pt>
+                <c:pt idx="196">
+                  <c:v>45225</c:v>
+                </c:pt>
+                <c:pt idx="197">
+                  <c:v>45226</c:v>
+                </c:pt>
+                <c:pt idx="198">
+                  <c:v>45229</c:v>
+                </c:pt>
+                <c:pt idx="199">
+                  <c:v>45230</c:v>
+                </c:pt>
+                <c:pt idx="200">
+                  <c:v>45231</c:v>
+                </c:pt>
+                <c:pt idx="201">
+                  <c:v>45232</c:v>
+                </c:pt>
+                <c:pt idx="202">
+                  <c:v>45233</c:v>
+                </c:pt>
+                <c:pt idx="203">
+                  <c:v>45236</c:v>
+                </c:pt>
+                <c:pt idx="204">
+                  <c:v>45237</c:v>
+                </c:pt>
+                <c:pt idx="205">
+                  <c:v>45238</c:v>
+                </c:pt>
+                <c:pt idx="206">
+                  <c:v>45239</c:v>
+                </c:pt>
+                <c:pt idx="207">
+                  <c:v>45240</c:v>
+                </c:pt>
+                <c:pt idx="208">
+                  <c:v>45243</c:v>
+                </c:pt>
+                <c:pt idx="209">
+                  <c:v>45244</c:v>
+                </c:pt>
+                <c:pt idx="210">
+                  <c:v>45245</c:v>
+                </c:pt>
+                <c:pt idx="211">
+                  <c:v>45246</c:v>
+                </c:pt>
+                <c:pt idx="212">
+                  <c:v>45247</c:v>
+                </c:pt>
+                <c:pt idx="213">
+                  <c:v>45250</c:v>
+                </c:pt>
+                <c:pt idx="214">
+                  <c:v>45251</c:v>
+                </c:pt>
+                <c:pt idx="215">
+                  <c:v>45252</c:v>
+                </c:pt>
+                <c:pt idx="216">
+                  <c:v>45254</c:v>
+                </c:pt>
+                <c:pt idx="217">
+                  <c:v>45257</c:v>
+                </c:pt>
+                <c:pt idx="218">
+                  <c:v>45258</c:v>
+                </c:pt>
+                <c:pt idx="219">
+                  <c:v>45259</c:v>
+                </c:pt>
+                <c:pt idx="220">
+                  <c:v>45260</c:v>
+                </c:pt>
+                <c:pt idx="221">
+                  <c:v>45261</c:v>
+                </c:pt>
+                <c:pt idx="222">
+                  <c:v>45264</c:v>
+                </c:pt>
+                <c:pt idx="223">
+                  <c:v>45265</c:v>
+                </c:pt>
+                <c:pt idx="224">
+                  <c:v>45266</c:v>
+                </c:pt>
+                <c:pt idx="225">
+                  <c:v>45267</c:v>
+                </c:pt>
+                <c:pt idx="226">
+                  <c:v>45268</c:v>
+                </c:pt>
+                <c:pt idx="227">
+                  <c:v>45271</c:v>
+                </c:pt>
+                <c:pt idx="228">
+                  <c:v>45272</c:v>
+                </c:pt>
+                <c:pt idx="229">
+                  <c:v>45273</c:v>
+                </c:pt>
+                <c:pt idx="230">
+                  <c:v>45274</c:v>
+                </c:pt>
+                <c:pt idx="231">
+                  <c:v>45275</c:v>
+                </c:pt>
+              </c:numCache>
+            </c:numRef>
+          </c:cat>
+          <c:val>
+            <c:numRef>
+              <c:f>'Volatility Analysis'!$F$22:$F$253</c:f>
+              <c:numCache>
+                <c:formatCode>General</c:formatCode>
+                <c:ptCount val="232"/>
+                <c:pt idx="80">
+                  <c:v>0.68899233887557076</c:v>
+                </c:pt>
+                <c:pt idx="81">
+                  <c:v>0.68564010197683734</c:v>
+                </c:pt>
+                <c:pt idx="82">
+                  <c:v>0.68583613303504387</c:v>
+                </c:pt>
+                <c:pt idx="83">
+                  <c:v>0.67210060041261555</c:v>
+                </c:pt>
+                <c:pt idx="84">
+                  <c:v>0.67526452068745724</c:v>
+                </c:pt>
+                <c:pt idx="85">
+                  <c:v>0.65802757241832865</c:v>
+                </c:pt>
+                <c:pt idx="86">
+                  <c:v>0.65755682666214299</c:v>
+                </c:pt>
+                <c:pt idx="87">
+                  <c:v>0.62976421420070494</c:v>
+                </c:pt>
+                <c:pt idx="88">
+                  <c:v>0.62921413784953006</c:v>
+                </c:pt>
+                <c:pt idx="89">
+                  <c:v>0.61907281948403448</c:v>
+                </c:pt>
+                <c:pt idx="90">
+                  <c:v>0.61901192610410705</c:v>
+                </c:pt>
+                <c:pt idx="91">
+                  <c:v>0.58358965111099859</c:v>
+                </c:pt>
+                <c:pt idx="92">
+                  <c:v>0.58195312048905334</c:v>
+                </c:pt>
+                <c:pt idx="93">
+                  <c:v>0.57932824924814197</c:v>
+                </c:pt>
+                <c:pt idx="94">
+                  <c:v>0.57887770439863562</c:v>
+                </c:pt>
+                <c:pt idx="95">
+                  <c:v>0.57429924351932249</c:v>
+                </c:pt>
+                <c:pt idx="96">
+                  <c:v>0.57415192571524687</c:v>
+                </c:pt>
+                <c:pt idx="97">
+                  <c:v>0.57239003452607173</c:v>
+                </c:pt>
+                <c:pt idx="98">
+                  <c:v>0.57253699716895667</c:v>
+                </c:pt>
+                <c:pt idx="99">
+                  <c:v>0.57529948917840978</c:v>
+                </c:pt>
+                <c:pt idx="100">
+                  <c:v>0.56827848650775448</c:v>
+                </c:pt>
+                <c:pt idx="101">
+                  <c:v>0.56715369299418339</c:v>
+                </c:pt>
+                <c:pt idx="102">
+                  <c:v>0.5680753231543676</c:v>
+                </c:pt>
+                <c:pt idx="103">
+                  <c:v>0.56471436967388899</c:v>
+                </c:pt>
+                <c:pt idx="104">
+                  <c:v>0.55423574051082924</c:v>
+                </c:pt>
+                <c:pt idx="105">
+                  <c:v>0.55451932342177068</c:v>
+                </c:pt>
+                <c:pt idx="106">
+                  <c:v>0.55932568711310204</c:v>
+                </c:pt>
+                <c:pt idx="107">
+                  <c:v>0.54574092816731679</c:v>
+                </c:pt>
+                <c:pt idx="108">
+                  <c:v>0.52238801281958314</c:v>
+                </c:pt>
+                <c:pt idx="109">
+                  <c:v>0.51350468464680055</c:v>
+                </c:pt>
+                <c:pt idx="110">
+                  <c:v>0.52137739064969713</c:v>
+                </c:pt>
+                <c:pt idx="111">
+                  <c:v>0.51969554746238167</c:v>
+                </c:pt>
+                <c:pt idx="112">
+                  <c:v>0.51790542690221986</c:v>
+                </c:pt>
+                <c:pt idx="113">
+                  <c:v>0.51782557889480607</c:v>
+                </c:pt>
+                <c:pt idx="114">
+                  <c:v>0.51709318252913317</c:v>
+                </c:pt>
+                <c:pt idx="115">
+                  <c:v>0.52681837357764216</c:v>
+                </c:pt>
+                <c:pt idx="116">
+                  <c:v>0.52602473263615568</c:v>
+                </c:pt>
+                <c:pt idx="117">
+                  <c:v>0.52577863108104761</c:v>
+                </c:pt>
+                <c:pt idx="118">
+                  <c:v>0.51873622153535437</c:v>
+                </c:pt>
+                <c:pt idx="119">
+                  <c:v>0.51928487005833823</c:v>
+                </c:pt>
+                <c:pt idx="120">
+                  <c:v>0.50728023531777822</c:v>
+                </c:pt>
+                <c:pt idx="121">
+                  <c:v>0.50623800613909853</c:v>
+                </c:pt>
+                <c:pt idx="122">
+                  <c:v>0.4975251123016769</c:v>
+                </c:pt>
+                <c:pt idx="123">
+                  <c:v>0.49580933877691991</c:v>
+                </c:pt>
+                <c:pt idx="124">
+                  <c:v>0.48930895556384818</c:v>
+                </c:pt>
+                <c:pt idx="125">
+                  <c:v>0.4889226245670224</c:v>
+                </c:pt>
+                <c:pt idx="126">
+                  <c:v>0.48921585730701461</c:v>
+                </c:pt>
+                <c:pt idx="127">
+                  <c:v>0.5154610116208459</c:v>
+                </c:pt>
+                <c:pt idx="128">
+                  <c:v>0.50953959871773158</c:v>
+                </c:pt>
+                <c:pt idx="129">
+                  <c:v>0.51170964320135215</c:v>
+                </c:pt>
+                <c:pt idx="130">
+                  <c:v>0.51168876133332708</c:v>
+                </c:pt>
+                <c:pt idx="131">
+                  <c:v>0.50169209762518241</c:v>
+                </c:pt>
+                <c:pt idx="132">
+                  <c:v>0.50232104454832638</c:v>
+                </c:pt>
+                <c:pt idx="133">
+                  <c:v>0.50466374860343022</c:v>
+                </c:pt>
+                <c:pt idx="134">
+                  <c:v>0.50149169582142028</c:v>
+                </c:pt>
+                <c:pt idx="135">
+                  <c:v>0.50041090322176862</c:v>
+                </c:pt>
+                <c:pt idx="136">
+                  <c:v>0.49509926359666451</c:v>
+                </c:pt>
+                <c:pt idx="137">
+                  <c:v>0.49578728118288684</c:v>
+                </c:pt>
+                <c:pt idx="138">
+                  <c:v>0.49740560390381638</c:v>
+                </c:pt>
+                <c:pt idx="139">
+                  <c:v>0.49246405724444736</c:v>
+                </c:pt>
+                <c:pt idx="140">
+                  <c:v>0.49182980622675776</c:v>
+                </c:pt>
+                <c:pt idx="141">
+                  <c:v>0.4939782628062182</c:v>
+                </c:pt>
+                <c:pt idx="142">
+                  <c:v>0.49263446835368913</c:v>
+                </c:pt>
+                <c:pt idx="143">
+                  <c:v>0.49261616785170104</c:v>
+                </c:pt>
+                <c:pt idx="144">
+                  <c:v>0.47917438154406827</c:v>
+                </c:pt>
+                <c:pt idx="145">
+                  <c:v>0.47841726065807827</c:v>
+                </c:pt>
+                <c:pt idx="146">
+                  <c:v>0.48143738960146054</c:v>
+                </c:pt>
+                <c:pt idx="147">
+                  <c:v>0.48353315489566262</c:v>
+                </c:pt>
+                <c:pt idx="148">
+                  <c:v>0.48433544012672397</c:v>
+                </c:pt>
+                <c:pt idx="149">
+                  <c:v>0.4961770789961219</c:v>
+                </c:pt>
+                <c:pt idx="150">
+                  <c:v>0.49496701863943171</c:v>
+                </c:pt>
+                <c:pt idx="151">
+                  <c:v>0.49538061733698485</c:v>
+                </c:pt>
+                <c:pt idx="152">
+                  <c:v>0.488781700209099</c:v>
+                </c:pt>
+                <c:pt idx="153">
+                  <c:v>0.48098852194167846</c:v>
+                </c:pt>
+                <c:pt idx="154">
+                  <c:v>0.48051476671896964</c:v>
+                </c:pt>
+                <c:pt idx="155">
+                  <c:v>0.48970002077256891</c:v>
+                </c:pt>
+                <c:pt idx="156">
+                  <c:v>0.48966323416463592</c:v>
+                </c:pt>
+                <c:pt idx="157">
+                  <c:v>0.48956401439575087</c:v>
+                </c:pt>
+                <c:pt idx="158">
+                  <c:v>0.49717839814684389</c:v>
+                </c:pt>
+                <c:pt idx="159">
+                  <c:v>0.49831230262588899</c:v>
+                </c:pt>
+                <c:pt idx="160">
+                  <c:v>0.49773931154987272</c:v>
+                </c:pt>
+                <c:pt idx="161">
+                  <c:v>0.49763700922195808</c:v>
+                </c:pt>
+                <c:pt idx="162">
+                  <c:v>0.49804336360646234</c:v>
+                </c:pt>
+                <c:pt idx="163">
+                  <c:v>0.51884208620234473</c:v>
+                </c:pt>
+                <c:pt idx="164">
+                  <c:v>0.5191122550919518</c:v>
+                </c:pt>
+                <c:pt idx="165">
+                  <c:v>0.49033596720967826</c:v>
+                </c:pt>
+                <c:pt idx="166">
+                  <c:v>0.49057249351140686</c:v>
+                </c:pt>
+                <c:pt idx="167">
+                  <c:v>0.48978879169851713</c:v>
+                </c:pt>
+                <c:pt idx="168">
+                  <c:v>0.4929912825600774</c:v>
+                </c:pt>
+                <c:pt idx="169">
+                  <c:v>0.48665677658022838</c:v>
+                </c:pt>
+                <c:pt idx="170">
+                  <c:v>0.48433443858156733</c:v>
+                </c:pt>
+                <c:pt idx="171">
+                  <c:v>0.48578045089698135</c:v>
+                </c:pt>
+                <c:pt idx="172">
+                  <c:v>0.49069580840492216</c:v>
+                </c:pt>
+                <c:pt idx="173">
+                  <c:v>0.4902582674201299</c:v>
+                </c:pt>
+                <c:pt idx="174">
+                  <c:v>0.49090545698059779</c:v>
+                </c:pt>
+                <c:pt idx="175">
+                  <c:v>0.49184704982406335</c:v>
+                </c:pt>
+                <c:pt idx="176">
+                  <c:v>0.48648391986513967</c:v>
+                </c:pt>
+                <c:pt idx="177">
+                  <c:v>0.48673817742474262</c:v>
+                </c:pt>
+                <c:pt idx="178">
+                  <c:v>0.48576102554547329</c:v>
+                </c:pt>
+                <c:pt idx="179">
+                  <c:v>0.48715714396906534</c:v>
+                </c:pt>
+                <c:pt idx="180">
+                  <c:v>0.4939230045609655</c:v>
+                </c:pt>
+                <c:pt idx="181">
+                  <c:v>0.49202314570557054</c:v>
+                </c:pt>
+                <c:pt idx="182">
+                  <c:v>0.49151811026778569</c:v>
+                </c:pt>
+                <c:pt idx="183">
+                  <c:v>0.49164426161557628</c:v>
+                </c:pt>
+                <c:pt idx="184">
+                  <c:v>0.48801457469739518</c:v>
+                </c:pt>
+                <c:pt idx="185">
+                  <c:v>0.48766646668880642</c:v>
+                </c:pt>
+                <c:pt idx="186">
+                  <c:v>0.48812726678648261</c:v>
+                </c:pt>
+                <c:pt idx="187">
+                  <c:v>0.48599559005866921</c:v>
+                </c:pt>
+                <c:pt idx="188">
+                  <c:v>0.48516394782633554</c:v>
+                </c:pt>
+                <c:pt idx="189">
+                  <c:v>0.48423358091778435</c:v>
+                </c:pt>
+                <c:pt idx="190">
+                  <c:v>0.49122738742269201</c:v>
+                </c:pt>
+                <c:pt idx="191">
+                  <c:v>0.51158127804636211</c:v>
+                </c:pt>
+                <c:pt idx="192">
+                  <c:v>0.51136430961017809</c:v>
+                </c:pt>
+                <c:pt idx="193">
+                  <c:v>0.51092755301644344</c:v>
+                </c:pt>
+                <c:pt idx="194">
+                  <c:v>0.51123278972006525</c:v>
+                </c:pt>
+                <c:pt idx="195">
+                  <c:v>0.50984653988232576</c:v>
+                </c:pt>
+                <c:pt idx="196">
+                  <c:v>0.51159628943810209</c:v>
+                </c:pt>
+                <c:pt idx="197">
+                  <c:v>0.51099632777821757</c:v>
+                </c:pt>
+                <c:pt idx="198">
+                  <c:v>0.51616291368604839</c:v>
+                </c:pt>
+                <c:pt idx="199">
+                  <c:v>0.51173810602585301</c:v>
+                </c:pt>
+                <c:pt idx="200">
+                  <c:v>0.50904454931875187</c:v>
+                </c:pt>
+                <c:pt idx="201">
+                  <c:v>0.51728346402466785</c:v>
+                </c:pt>
+                <c:pt idx="202">
+                  <c:v>0.51416158623993968</c:v>
+                </c:pt>
+                <c:pt idx="203">
+                  <c:v>0.51408249073303114</c:v>
+                </c:pt>
+                <c:pt idx="204">
+                  <c:v>0.51460817931398029</c:v>
+                </c:pt>
+                <c:pt idx="205">
+                  <c:v>0.5136691736870953</c:v>
+                </c:pt>
+                <c:pt idx="206">
+                  <c:v>0.51363537016533667</c:v>
+                </c:pt>
+                <c:pt idx="207">
+                  <c:v>0.50784777477688814</c:v>
+                </c:pt>
+                <c:pt idx="208">
+                  <c:v>0.51135908575762978</c:v>
+                </c:pt>
+                <c:pt idx="209">
+                  <c:v>0.51833195955572342</c:v>
+                </c:pt>
+                <c:pt idx="210">
+                  <c:v>0.51003999777506781</c:v>
+                </c:pt>
+                <c:pt idx="211">
+                  <c:v>0.5102165439774653</c:v>
+                </c:pt>
+                <c:pt idx="212">
+                  <c:v>0.50873487453797395</c:v>
+                </c:pt>
+                <c:pt idx="213">
+                  <c:v>0.50875414872920544</c:v>
+                </c:pt>
+                <c:pt idx="214">
+                  <c:v>0.50949042718667403</c:v>
+                </c:pt>
+                <c:pt idx="215">
+                  <c:v>0.49979004067784721</c:v>
+                </c:pt>
+                <c:pt idx="216">
+                  <c:v>0.49959394727411344</c:v>
+                </c:pt>
+                <c:pt idx="217">
+                  <c:v>0.49866439207515267</c:v>
+                </c:pt>
+                <c:pt idx="218">
+                  <c:v>0.50381791597621828</c:v>
+                </c:pt>
+                <c:pt idx="219">
+                  <c:v>0.50333921447787844</c:v>
+                </c:pt>
+                <c:pt idx="220">
+                  <c:v>0.5039560383720787</c:v>
+                </c:pt>
+                <c:pt idx="221">
+                  <c:v>0.50377441991435401</c:v>
+                </c:pt>
+                <c:pt idx="222">
+                  <c:v>0.50281407727659566</c:v>
+                </c:pt>
+                <c:pt idx="223">
+                  <c:v>0.50287269800937995</c:v>
+                </c:pt>
+                <c:pt idx="224">
+                  <c:v>0.50010373330789137</c:v>
+                </c:pt>
+                <c:pt idx="225">
+                  <c:v>0.50034477940823163</c:v>
+                </c:pt>
+                <c:pt idx="226">
+                  <c:v>0.50039068892676841</c:v>
+                </c:pt>
+                <c:pt idx="227">
+                  <c:v>0.47423210571589092</c:v>
+                </c:pt>
+                <c:pt idx="228">
+                  <c:v>0.47425641166273802</c:v>
+                </c:pt>
+                <c:pt idx="229">
+                  <c:v>0.47120753362356987</c:v>
+                </c:pt>
+                <c:pt idx="230">
+                  <c:v>0.47715905486263044</c:v>
+                </c:pt>
+                <c:pt idx="231">
+                  <c:v>0.47741289481074123</c:v>
+                </c:pt>
+              </c:numCache>
+            </c:numRef>
+          </c:val>
+          <c:smooth val="0"/>
+          <c:extLst>
+            <c:ext xmlns:c16="http://schemas.microsoft.com/office/drawing/2014/chart" uri="{C3380CC4-5D6E-409C-BE32-E72D297353CC}">
+              <c16:uniqueId val="{00000002-8D51-4627-BD20-F26FDB8C3208}"/>
             </c:ext>
           </c:extLst>
         </c:ser>
@@ -6301,11 +8847,11 @@
           <c:showBubbleSize val="0"/>
         </c:dLbls>
         <c:smooth val="0"/>
-        <c:axId val="807039680"/>
+        <c:axId val="735799887"/>
         <c:axId val="1"/>
       </c:lineChart>
       <c:dateAx>
-        <c:axId val="807039680"/>
+        <c:axId val="735799887"/>
         <c:scaling>
           <c:orientation val="minMax"/>
         </c:scaling>
@@ -6331,8 +8877,8 @@
                   </a:defRPr>
                 </a:pPr>
                 <a:r>
-                  <a:rPr lang="en-IN" dirty="0"/>
-                  <a:t>YEARLY VOLATILITY OF 20 DAYS FOR THE YEAR 2023</a:t>
+                  <a:rPr lang="en-IN"/>
+                  <a:t>YEARLY VOLATILITY OVER THE PERIOD OF 20, 50 AND 100 DAYS FOR THE YEAR 2023</a:t>
                 </a:r>
               </a:p>
             </c:rich>
@@ -6450,8 +8996,8 @@
                   </a:defRPr>
                 </a:pPr>
                 <a:r>
-                  <a:rPr lang="en-IN" dirty="0"/>
-                  <a:t>STOCK VOLATILITY</a:t>
+                  <a:rPr lang="en-IN"/>
+                  <a:t>sTOCK VOLATILITY</a:t>
                 </a:r>
               </a:p>
             </c:rich>
@@ -6516,7 +9062,7 @@
             <a:endParaRPr lang="en-US"/>
           </a:p>
         </c:txPr>
-        <c:crossAx val="807039680"/>
+        <c:crossAx val="735799887"/>
         <c:crosses val="autoZero"/>
         <c:crossBetween val="between"/>
       </c:valAx>
@@ -6528,6 +9074,37 @@
         <a:effectLst/>
       </c:spPr>
     </c:plotArea>
+    <c:legend>
+      <c:legendPos val="b"/>
+      <c:overlay val="0"/>
+      <c:spPr>
+        <a:noFill/>
+        <a:ln>
+          <a:noFill/>
+        </a:ln>
+        <a:effectLst/>
+      </c:spPr>
+      <c:txPr>
+        <a:bodyPr rot="0" spcFirstLastPara="1" vertOverflow="ellipsis" vert="horz" wrap="square" anchor="ctr" anchorCtr="1"/>
+        <a:lstStyle/>
+        <a:p>
+          <a:pPr>
+            <a:defRPr sz="1197" b="0" i="0" u="none" strike="noStrike" kern="1200" baseline="0">
+              <a:solidFill>
+                <a:schemeClr val="tx1">
+                  <a:lumMod val="65000"/>
+                  <a:lumOff val="35000"/>
+                </a:schemeClr>
+              </a:solidFill>
+              <a:latin typeface="+mn-lt"/>
+              <a:ea typeface="+mn-ea"/>
+              <a:cs typeface="+mn-cs"/>
+            </a:defRPr>
+          </a:pPr>
+          <a:endParaRPr lang="en-US"/>
+        </a:p>
+      </c:txPr>
+    </c:legend>
     <c:plotVisOnly val="1"/>
     <c:dispBlanksAs val="gap"/>
     <c:showDLblsOverMax val="0"/>
@@ -8337,7 +10914,7 @@
           <a:effectLst/>
         </c:spPr>
         <c:txPr>
-          <a:bodyPr rot="-2700000" spcFirstLastPara="1" vertOverflow="ellipsis" vert="horz" wrap="square" anchor="b" anchorCtr="0"/>
+          <a:bodyPr rot="-2700000" spcFirstLastPara="1" vertOverflow="ellipsis" wrap="square" anchor="b" anchorCtr="0"/>
           <a:lstStyle/>
           <a:p>
             <a:pPr>
@@ -11384,7 +13961,7 @@
           <a:effectLst/>
         </c:spPr>
         <c:txPr>
-          <a:bodyPr rot="0" spcFirstLastPara="1" vertOverflow="ellipsis" vert="horz" wrap="square" anchor="ctr" anchorCtr="1"/>
+          <a:bodyPr rot="0" spcFirstLastPara="1" vertOverflow="ellipsis" wrap="square" anchor="ctr" anchorCtr="1"/>
           <a:lstStyle/>
           <a:p>
             <a:pPr>
@@ -11620,12 +14197,9 @@
 </file>
 
 <file path=ppt/charts/colors2.xml><?xml version="1.0" encoding="utf-8"?>
-<cs:colorStyle xmlns:cs="http://schemas.microsoft.com/office/drawing/2012/chartStyle" xmlns:a="http://schemas.openxmlformats.org/drawingml/2006/main" meth="cycle" id="10">
-  <a:schemeClr val="accent1"/>
+<cs:colorStyle xmlns:cs="http://schemas.microsoft.com/office/drawing/2012/chartStyle" xmlns:a="http://schemas.openxmlformats.org/drawingml/2006/main" meth="cycle" id="12">
   <a:schemeClr val="accent2"/>
-  <a:schemeClr val="accent3"/>
   <a:schemeClr val="accent4"/>
-  <a:schemeClr val="accent5"/>
   <a:schemeClr val="accent6"/>
   <cs:variation/>
   <cs:variation>
@@ -14527,7 +17101,7 @@
           <a:p>
             <a:fld id="{EF1077DB-935E-4A0A-947A-D283B9F9F452}" type="datetimeFigureOut">
               <a:rPr lang="en-US" smtClean="0"/>
-              <a:t>12/17/2023</a:t>
+              <a:t>12/18/2023</a:t>
             </a:fld>
             <a:endParaRPr lang="en-US" dirty="0"/>
           </a:p>
@@ -14704,7 +17278,7 @@
           <a:p>
             <a:fld id="{2D9EC30E-1A71-4188-9BE7-E2A64929A436}" type="datetimeFigureOut">
               <a:rPr lang="en-US" noProof="0" smtClean="0"/>
-              <a:t>12/17/2023</a:t>
+              <a:t>12/18/2023</a:t>
             </a:fld>
             <a:endParaRPr lang="en-US" noProof="0" dirty="0"/>
           </a:p>
@@ -22023,7 +24597,7 @@
                 </a:solidFill>
               </a:rPr>
               <a:pPr/>
-              <a:t>12/17/2023</a:t>
+              <a:t>12/18/2023</a:t>
             </a:fld>
             <a:endParaRPr lang="en-US" sz="1100" dirty="0">
               <a:solidFill>
@@ -24716,10 +27290,10 @@
       </p:sp>
       <p:graphicFrame>
         <p:nvGraphicFramePr>
-          <p:cNvPr id="5" name="Chart 4">
+          <p:cNvPr id="2" name="Chart 1">
             <a:extLst>
               <a:ext uri="{FF2B5EF4-FFF2-40B4-BE49-F238E27FC236}">
-                <a16:creationId xmlns:a16="http://schemas.microsoft.com/office/drawing/2014/main" id="{F2D87FD1-828A-B004-7363-045A5A235931}"/>
+                <a16:creationId xmlns:a16="http://schemas.microsoft.com/office/drawing/2014/main" id="{57C6CE02-2991-81AD-D6B2-74E2B74942A9}"/>
               </a:ext>
             </a:extLst>
           </p:cNvPr>
@@ -24729,14 +27303,14 @@
           <p:nvPr>
             <p:extLst>
               <p:ext uri="{D42A27DB-BD31-4B8C-83A1-F6EECF244321}">
-                <p14:modId xmlns:p14="http://schemas.microsoft.com/office/powerpoint/2010/main" val="435509750"/>
+                <p14:modId xmlns:p14="http://schemas.microsoft.com/office/powerpoint/2010/main" val="1785876588"/>
               </p:ext>
             </p:extLst>
           </p:nvPr>
         </p:nvGraphicFramePr>
         <p:xfrm>
-          <a:off x="838201" y="1239380"/>
-          <a:ext cx="10515599" cy="4560287"/>
+          <a:off x="838201" y="1721981"/>
+          <a:ext cx="10515599" cy="4501019"/>
         </p:xfrm>
         <a:graphic>
           <a:graphicData uri="http://schemas.openxmlformats.org/drawingml/2006/chart">
@@ -24817,7 +27391,7 @@
         <p:spPr>
           <a:xfrm>
             <a:off x="838200" y="2032000"/>
-            <a:ext cx="10515600" cy="1477328"/>
+            <a:ext cx="10515600" cy="2308324"/>
           </a:xfrm>
           <a:prstGeom prst="rect">
             <a:avLst/>
@@ -24857,6 +27431,16 @@
             <a:r>
               <a:rPr lang="en-IN" dirty="0"/>
               <a:t>To note, that even with high fluctuations, stock prices from March seemed to be a little bit steady and running between the similar range on a long-term basis.</a:t>
+            </a:r>
+          </a:p>
+          <a:p>
+            <a:pPr marL="285750" indent="-285750">
+              <a:buFont typeface="Arial" panose="020B0604020202020204" pitchFamily="34" charset="0"/>
+              <a:buChar char="•"/>
+            </a:pPr>
+            <a:r>
+              <a:rPr lang="en-IN" dirty="0"/>
+              <a:t>The above observations were specific to shorter rolling period viz. 20 days. Although, for longer rolling periods viz. 50 and 100 days, stocks appeared to be heavily fluctuating yet in a specific range as mentioned above.</a:t>
             </a:r>
           </a:p>
         </p:txBody>
@@ -25784,24 +28368,6 @@
 </file>
 
 <file path=customXml/item1.xml><?xml version="1.0" encoding="utf-8"?>
-<p:properties xmlns:p="http://schemas.microsoft.com/office/2006/metadata/properties" xmlns:xsi="http://www.w3.org/2001/XMLSchema-instance" xmlns:pc="http://schemas.microsoft.com/office/infopath/2007/PartnerControls">
-  <documentManagement>
-    <Status xmlns="71af3243-3dd4-4a8d-8c0d-dd76da1f02a5">Not started</Status>
-    <MediaServiceKeyPoints xmlns="71af3243-3dd4-4a8d-8c0d-dd76da1f02a5" xsi:nil="true"/>
-  </documentManagement>
-</p:properties>
-</file>
-
-<file path=customXml/item2.xml><?xml version="1.0" encoding="utf-8"?>
-<?mso-contentType ?>
-<FormTemplates xmlns="http://schemas.microsoft.com/sharepoint/v3/contenttype/forms">
-  <Display>DocumentLibraryForm</Display>
-  <Edit>DocumentLibraryForm</Edit>
-  <New>DocumentLibraryForm</New>
-</FormTemplates>
-</file>
-
-<file path=customXml/item3.xml><?xml version="1.0" encoding="utf-8"?>
 <ct:contentTypeSchema xmlns:ct="http://schemas.microsoft.com/office/2006/metadata/contentType" xmlns:ma="http://schemas.microsoft.com/office/2006/metadata/properties/metaAttributes" ct:_="" ma:_="" ma:contentTypeName="Document" ma:contentTypeID="0x01010079F111ED35F8CC479449609E8A0923A6" ma:contentTypeVersion="12" ma:contentTypeDescription="Create a new document." ma:contentTypeScope="" ma:versionID="426e97fa315356fffbdcd9876fe988c2">
   <xsd:schema xmlns:xsd="http://www.w3.org/2001/XMLSchema" xmlns:xs="http://www.w3.org/2001/XMLSchema" xmlns:p="http://schemas.microsoft.com/office/2006/metadata/properties" xmlns:ns2="71af3243-3dd4-4a8d-8c0d-dd76da1f02a5" xmlns:ns3="16c05727-aa75-4e4a-9b5f-8a80a1165891" targetNamespace="http://schemas.microsoft.com/office/2006/metadata/properties" ma:root="true" ma:fieldsID="14b8f0def80e6d70ce3def20c90759ae" ns2:_="" ns3:_="">
     <xsd:import namespace="71af3243-3dd4-4a8d-8c0d-dd76da1f02a5"/>
@@ -26022,25 +28588,25 @@
 </ct:contentTypeSchema>
 </file>
 
-<file path=customXml/itemProps1.xml><?xml version="1.0" encoding="utf-8"?>
-<ds:datastoreItem xmlns:ds="http://schemas.openxmlformats.org/officeDocument/2006/customXml" ds:itemID="{4DEA9014-ED64-4558-B1E1-D03F0EE32BEB}">
-  <ds:schemaRefs>
-    <ds:schemaRef ds:uri="http://schemas.microsoft.com/office/2006/metadata/properties"/>
-    <ds:schemaRef ds:uri="http://schemas.microsoft.com/office/infopath/2007/PartnerControls"/>
-    <ds:schemaRef ds:uri="71af3243-3dd4-4a8d-8c0d-dd76da1f02a5"/>
-  </ds:schemaRefs>
-</ds:datastoreItem>
+<file path=customXml/item2.xml><?xml version="1.0" encoding="utf-8"?>
+<?mso-contentType ?>
+<FormTemplates xmlns="http://schemas.microsoft.com/sharepoint/v3/contenttype/forms">
+  <Display>DocumentLibraryForm</Display>
+  <Edit>DocumentLibraryForm</Edit>
+  <New>DocumentLibraryForm</New>
+</FormTemplates>
 </file>
 
-<file path=customXml/itemProps2.xml><?xml version="1.0" encoding="utf-8"?>
-<ds:datastoreItem xmlns:ds="http://schemas.openxmlformats.org/officeDocument/2006/customXml" ds:itemID="{05D99ABA-76CE-4A8E-B5F0-C051B96628DE}">
-  <ds:schemaRefs>
-    <ds:schemaRef ds:uri="http://schemas.microsoft.com/sharepoint/v3/contenttype/forms"/>
-  </ds:schemaRefs>
-</ds:datastoreItem>
+<file path=customXml/item3.xml><?xml version="1.0" encoding="utf-8"?>
+<p:properties xmlns:p="http://schemas.microsoft.com/office/2006/metadata/properties" xmlns:xsi="http://www.w3.org/2001/XMLSchema-instance" xmlns:pc="http://schemas.microsoft.com/office/infopath/2007/PartnerControls">
+  <documentManagement>
+    <Status xmlns="71af3243-3dd4-4a8d-8c0d-dd76da1f02a5">Not started</Status>
+    <MediaServiceKeyPoints xmlns="71af3243-3dd4-4a8d-8c0d-dd76da1f02a5" xsi:nil="true"/>
+  </documentManagement>
+</p:properties>
 </file>
 
-<file path=customXml/itemProps3.xml><?xml version="1.0" encoding="utf-8"?>
+<file path=customXml/itemProps1.xml><?xml version="1.0" encoding="utf-8"?>
 <ds:datastoreItem xmlns:ds="http://schemas.openxmlformats.org/officeDocument/2006/customXml" ds:itemID="{B19EB750-A6DA-4BE8-B87B-FC499FE73360}">
   <ds:schemaRefs>
     <ds:schemaRef ds:uri="http://schemas.microsoft.com/office/2006/metadata/contentType"/>
@@ -26057,4 +28623,22 @@
     <ds:schemaRef ds:uri="http://schemas.microsoft.com/internal/obd"/>
   </ds:schemaRefs>
 </ds:datastoreItem>
+</file>
+
+<file path=customXml/itemProps2.xml><?xml version="1.0" encoding="utf-8"?>
+<ds:datastoreItem xmlns:ds="http://schemas.openxmlformats.org/officeDocument/2006/customXml" ds:itemID="{05D99ABA-76CE-4A8E-B5F0-C051B96628DE}">
+  <ds:schemaRefs>
+    <ds:schemaRef ds:uri="http://schemas.microsoft.com/sharepoint/v3/contenttype/forms"/>
+  </ds:schemaRefs>
+</ds:datastoreItem>
+</file>
+
+<file path=customXml/itemProps3.xml><?xml version="1.0" encoding="utf-8"?>
+<ds:datastoreItem xmlns:ds="http://schemas.openxmlformats.org/officeDocument/2006/customXml" ds:itemID="{4DEA9014-ED64-4558-B1E1-D03F0EE32BEB}">
+  <ds:schemaRefs>
+    <ds:schemaRef ds:uri="http://schemas.microsoft.com/office/2006/metadata/properties"/>
+    <ds:schemaRef ds:uri="http://schemas.microsoft.com/office/infopath/2007/PartnerControls"/>
+    <ds:schemaRef ds:uri="71af3243-3dd4-4a8d-8c0d-dd76da1f02a5"/>
+  </ds:schemaRefs>
+</ds:datastoreItem>
 </file>